--- a/Test Automation Bootcamp.pptx
+++ b/Test Automation Bootcamp.pptx
@@ -6,7 +6,7 @@
     <p:sldMasterId id="2147483662" r:id="rId2"/>
   </p:sldMasterIdLst>
   <p:notesMasterIdLst>
-    <p:notesMasterId r:id="rId13"/>
+    <p:notesMasterId r:id="rId16"/>
   </p:notesMasterIdLst>
   <p:sldIdLst>
     <p:sldId id="257" r:id="rId3"/>
@@ -16,9 +16,12 @@
     <p:sldId id="266" r:id="rId7"/>
     <p:sldId id="267" r:id="rId8"/>
     <p:sldId id="261" r:id="rId9"/>
-    <p:sldId id="262" r:id="rId10"/>
-    <p:sldId id="263" r:id="rId11"/>
-    <p:sldId id="264" r:id="rId12"/>
+    <p:sldId id="270" r:id="rId10"/>
+    <p:sldId id="268" r:id="rId11"/>
+    <p:sldId id="269" r:id="rId12"/>
+    <p:sldId id="262" r:id="rId13"/>
+    <p:sldId id="263" r:id="rId14"/>
+    <p:sldId id="264" r:id="rId15"/>
   </p:sldIdLst>
   <p:sldSz cx="12192000" cy="6858000"/>
   <p:notesSz cx="6858000" cy="9144000"/>
@@ -117,6 +120,11 @@
       </a:defRPr>
     </a:lvl9pPr>
   </p:defaultTextStyle>
+  <p:extLst>
+    <p:ext uri="{EFAFB233-063F-42B5-8137-9DF3F51BA10A}">
+      <p15:sldGuideLst xmlns:p15="http://schemas.microsoft.com/office/powerpoint/2012/main"/>
+    </p:ext>
+  </p:extLst>
 </p:presentation>
 </file>
 
@@ -202,7 +210,7 @@
           <a:p>
             <a:fld id="{33A4BAA2-7B20-D743-A8B8-E56C9D2F82A2}" type="datetimeFigureOut">
               <a:rPr lang="en-US" smtClean="0"/>
-              <a:t>8/19/21</a:t>
+              <a:t>8/20/21</a:t>
             </a:fld>
             <a:endParaRPr lang="en-US"/>
           </a:p>
@@ -578,7 +586,7 @@
   <p:cSld>
     <p:spTree>
       <p:nvGrpSpPr>
-        <p:cNvPr id="1" name="Shape 124"/>
+        <p:cNvPr id="1" name="Shape 150"/>
         <p:cNvGrpSpPr/>
         <p:nvPr/>
       </p:nvGrpSpPr>
@@ -592,7 +600,7 @@
       </p:grpSpPr>
       <p:sp>
         <p:nvSpPr>
-          <p:cNvPr id="125" name="Google Shape;125;g35f391192_029:notes"/>
+          <p:cNvPr id="151" name="Google Shape;151;g35f391192_017:notes"/>
           <p:cNvSpPr>
             <a:spLocks noGrp="1" noRot="1" noChangeAspect="1"/>
           </p:cNvSpPr>
@@ -633,6 +641,333 @@
       </p:sp>
       <p:sp>
         <p:nvSpPr>
+          <p:cNvPr id="152" name="Google Shape;152;g35f391192_017:notes"/>
+          <p:cNvSpPr txBox="1">
+            <a:spLocks noGrp="1"/>
+          </p:cNvSpPr>
+          <p:nvPr>
+            <p:ph type="body" idx="1"/>
+          </p:nvPr>
+        </p:nvSpPr>
+        <p:spPr>
+          <a:xfrm>
+            <a:off x="685800" y="4343400"/>
+            <a:ext cx="5486400" cy="4114800"/>
+          </a:xfrm>
+          <a:prstGeom prst="rect">
+            <a:avLst/>
+          </a:prstGeom>
+        </p:spPr>
+        <p:txBody>
+          <a:bodyPr spcFirstLastPara="1" wrap="square" lIns="91425" tIns="91425" rIns="91425" bIns="91425" anchor="t" anchorCtr="0">
+            <a:noAutofit/>
+          </a:bodyPr>
+          <a:lstStyle/>
+          <a:p>
+            <a:pPr marL="0" lvl="0" indent="0" algn="l" rtl="0">
+              <a:spcBef>
+                <a:spcPts val="0"/>
+              </a:spcBef>
+              <a:spcAft>
+                <a:spcPts val="0"/>
+              </a:spcAft>
+              <a:buNone/>
+            </a:pPr>
+            <a:endParaRPr/>
+          </a:p>
+        </p:txBody>
+      </p:sp>
+    </p:spTree>
+    <p:extLst>
+      <p:ext uri="{BB962C8B-B14F-4D97-AF65-F5344CB8AC3E}">
+        <p14:creationId xmlns:p14="http://schemas.microsoft.com/office/powerpoint/2010/main" val="3737492802"/>
+      </p:ext>
+    </p:extLst>
+  </p:cSld>
+  <p:clrMapOvr>
+    <a:masterClrMapping/>
+  </p:clrMapOvr>
+</p:notes>
+</file>
+
+<file path=ppt/notesSlides/notesSlide11.xml><?xml version="1.0" encoding="utf-8"?>
+<p:notes xmlns:a="http://schemas.openxmlformats.org/drawingml/2006/main" xmlns:r="http://schemas.openxmlformats.org/officeDocument/2006/relationships" xmlns:p="http://schemas.openxmlformats.org/presentationml/2006/main" showMasterSp="0" showMasterPhAnim="0">
+  <p:cSld>
+    <p:spTree>
+      <p:nvGrpSpPr>
+        <p:cNvPr id="1" name="Shape 124"/>
+        <p:cNvGrpSpPr/>
+        <p:nvPr/>
+      </p:nvGrpSpPr>
+      <p:grpSpPr>
+        <a:xfrm>
+          <a:off x="0" y="0"/>
+          <a:ext cx="0" cy="0"/>
+          <a:chOff x="0" y="0"/>
+          <a:chExt cx="0" cy="0"/>
+        </a:xfrm>
+      </p:grpSpPr>
+      <p:sp>
+        <p:nvSpPr>
+          <p:cNvPr id="125" name="Google Shape;125;g35f391192_029:notes"/>
+          <p:cNvSpPr>
+            <a:spLocks noGrp="1" noRot="1" noChangeAspect="1"/>
+          </p:cNvSpPr>
+          <p:nvPr>
+            <p:ph type="sldImg" idx="2"/>
+          </p:nvPr>
+        </p:nvSpPr>
+        <p:spPr>
+          <a:xfrm>
+            <a:off x="381000" y="685800"/>
+            <a:ext cx="6096000" cy="3429000"/>
+          </a:xfrm>
+          <a:custGeom>
+            <a:avLst/>
+            <a:gdLst/>
+            <a:ahLst/>
+            <a:cxnLst/>
+            <a:rect l="l" t="t" r="r" b="b"/>
+            <a:pathLst>
+              <a:path w="120000" h="120000" extrusionOk="0">
+                <a:moveTo>
+                  <a:pt x="0" y="0"/>
+                </a:moveTo>
+                <a:lnTo>
+                  <a:pt x="120000" y="0"/>
+                </a:lnTo>
+                <a:lnTo>
+                  <a:pt x="120000" y="120000"/>
+                </a:lnTo>
+                <a:lnTo>
+                  <a:pt x="0" y="120000"/>
+                </a:lnTo>
+                <a:close/>
+              </a:path>
+            </a:pathLst>
+          </a:custGeom>
+        </p:spPr>
+      </p:sp>
+      <p:sp>
+        <p:nvSpPr>
+          <p:cNvPr id="126" name="Google Shape;126;g35f391192_029:notes"/>
+          <p:cNvSpPr txBox="1">
+            <a:spLocks noGrp="1"/>
+          </p:cNvSpPr>
+          <p:nvPr>
+            <p:ph type="body" idx="1"/>
+          </p:nvPr>
+        </p:nvSpPr>
+        <p:spPr>
+          <a:xfrm>
+            <a:off x="685800" y="4343400"/>
+            <a:ext cx="5486400" cy="4114800"/>
+          </a:xfrm>
+          <a:prstGeom prst="rect">
+            <a:avLst/>
+          </a:prstGeom>
+        </p:spPr>
+        <p:txBody>
+          <a:bodyPr spcFirstLastPara="1" wrap="square" lIns="91425" tIns="91425" rIns="91425" bIns="91425" anchor="t" anchorCtr="0">
+            <a:noAutofit/>
+          </a:bodyPr>
+          <a:lstStyle/>
+          <a:p>
+            <a:pPr marL="0" lvl="0" indent="0" algn="l" rtl="0">
+              <a:spcBef>
+                <a:spcPts val="0"/>
+              </a:spcBef>
+              <a:spcAft>
+                <a:spcPts val="0"/>
+              </a:spcAft>
+              <a:buNone/>
+            </a:pPr>
+            <a:endParaRPr/>
+          </a:p>
+        </p:txBody>
+      </p:sp>
+    </p:spTree>
+    <p:extLst>
+      <p:ext uri="{BB962C8B-B14F-4D97-AF65-F5344CB8AC3E}">
+        <p14:creationId xmlns:p14="http://schemas.microsoft.com/office/powerpoint/2010/main" val="2391713617"/>
+      </p:ext>
+    </p:extLst>
+  </p:cSld>
+  <p:clrMapOvr>
+    <a:masterClrMapping/>
+  </p:clrMapOvr>
+</p:notes>
+</file>
+
+<file path=ppt/notesSlides/notesSlide12.xml><?xml version="1.0" encoding="utf-8"?>
+<p:notes xmlns:a="http://schemas.openxmlformats.org/drawingml/2006/main" xmlns:r="http://schemas.openxmlformats.org/officeDocument/2006/relationships" xmlns:p="http://schemas.openxmlformats.org/presentationml/2006/main" showMasterSp="0" showMasterPhAnim="0">
+  <p:cSld>
+    <p:spTree>
+      <p:nvGrpSpPr>
+        <p:cNvPr id="1" name="Shape 124"/>
+        <p:cNvGrpSpPr/>
+        <p:nvPr/>
+      </p:nvGrpSpPr>
+      <p:grpSpPr>
+        <a:xfrm>
+          <a:off x="0" y="0"/>
+          <a:ext cx="0" cy="0"/>
+          <a:chOff x="0" y="0"/>
+          <a:chExt cx="0" cy="0"/>
+        </a:xfrm>
+      </p:grpSpPr>
+      <p:sp>
+        <p:nvSpPr>
+          <p:cNvPr id="125" name="Google Shape;125;g35f391192_029:notes"/>
+          <p:cNvSpPr>
+            <a:spLocks noGrp="1" noRot="1" noChangeAspect="1"/>
+          </p:cNvSpPr>
+          <p:nvPr>
+            <p:ph type="sldImg" idx="2"/>
+          </p:nvPr>
+        </p:nvSpPr>
+        <p:spPr>
+          <a:xfrm>
+            <a:off x="381000" y="685800"/>
+            <a:ext cx="6096000" cy="3429000"/>
+          </a:xfrm>
+          <a:custGeom>
+            <a:avLst/>
+            <a:gdLst/>
+            <a:ahLst/>
+            <a:cxnLst/>
+            <a:rect l="l" t="t" r="r" b="b"/>
+            <a:pathLst>
+              <a:path w="120000" h="120000" extrusionOk="0">
+                <a:moveTo>
+                  <a:pt x="0" y="0"/>
+                </a:moveTo>
+                <a:lnTo>
+                  <a:pt x="120000" y="0"/>
+                </a:lnTo>
+                <a:lnTo>
+                  <a:pt x="120000" y="120000"/>
+                </a:lnTo>
+                <a:lnTo>
+                  <a:pt x="0" y="120000"/>
+                </a:lnTo>
+                <a:close/>
+              </a:path>
+            </a:pathLst>
+          </a:custGeom>
+        </p:spPr>
+      </p:sp>
+      <p:sp>
+        <p:nvSpPr>
+          <p:cNvPr id="126" name="Google Shape;126;g35f391192_029:notes"/>
+          <p:cNvSpPr txBox="1">
+            <a:spLocks noGrp="1"/>
+          </p:cNvSpPr>
+          <p:nvPr>
+            <p:ph type="body" idx="1"/>
+          </p:nvPr>
+        </p:nvSpPr>
+        <p:spPr>
+          <a:xfrm>
+            <a:off x="685800" y="4343400"/>
+            <a:ext cx="5486400" cy="4114800"/>
+          </a:xfrm>
+          <a:prstGeom prst="rect">
+            <a:avLst/>
+          </a:prstGeom>
+        </p:spPr>
+        <p:txBody>
+          <a:bodyPr spcFirstLastPara="1" wrap="square" lIns="91425" tIns="91425" rIns="91425" bIns="91425" anchor="t" anchorCtr="0">
+            <a:noAutofit/>
+          </a:bodyPr>
+          <a:lstStyle/>
+          <a:p>
+            <a:pPr marL="0" lvl="0" indent="0" algn="l" rtl="0">
+              <a:spcBef>
+                <a:spcPts val="0"/>
+              </a:spcBef>
+              <a:spcAft>
+                <a:spcPts val="0"/>
+              </a:spcAft>
+              <a:buNone/>
+            </a:pPr>
+            <a:endParaRPr/>
+          </a:p>
+        </p:txBody>
+      </p:sp>
+    </p:spTree>
+    <p:extLst>
+      <p:ext uri="{BB962C8B-B14F-4D97-AF65-F5344CB8AC3E}">
+        <p14:creationId xmlns:p14="http://schemas.microsoft.com/office/powerpoint/2010/main" val="1356533447"/>
+      </p:ext>
+    </p:extLst>
+  </p:cSld>
+  <p:clrMapOvr>
+    <a:masterClrMapping/>
+  </p:clrMapOvr>
+</p:notes>
+</file>
+
+<file path=ppt/notesSlides/notesSlide13.xml><?xml version="1.0" encoding="utf-8"?>
+<p:notes xmlns:a="http://schemas.openxmlformats.org/drawingml/2006/main" xmlns:r="http://schemas.openxmlformats.org/officeDocument/2006/relationships" xmlns:p="http://schemas.openxmlformats.org/presentationml/2006/main" showMasterSp="0" showMasterPhAnim="0">
+  <p:cSld>
+    <p:spTree>
+      <p:nvGrpSpPr>
+        <p:cNvPr id="1" name="Shape 124"/>
+        <p:cNvGrpSpPr/>
+        <p:nvPr/>
+      </p:nvGrpSpPr>
+      <p:grpSpPr>
+        <a:xfrm>
+          <a:off x="0" y="0"/>
+          <a:ext cx="0" cy="0"/>
+          <a:chOff x="0" y="0"/>
+          <a:chExt cx="0" cy="0"/>
+        </a:xfrm>
+      </p:grpSpPr>
+      <p:sp>
+        <p:nvSpPr>
+          <p:cNvPr id="125" name="Google Shape;125;g35f391192_029:notes"/>
+          <p:cNvSpPr>
+            <a:spLocks noGrp="1" noRot="1" noChangeAspect="1"/>
+          </p:cNvSpPr>
+          <p:nvPr>
+            <p:ph type="sldImg" idx="2"/>
+          </p:nvPr>
+        </p:nvSpPr>
+        <p:spPr>
+          <a:xfrm>
+            <a:off x="381000" y="685800"/>
+            <a:ext cx="6096000" cy="3429000"/>
+          </a:xfrm>
+          <a:custGeom>
+            <a:avLst/>
+            <a:gdLst/>
+            <a:ahLst/>
+            <a:cxnLst/>
+            <a:rect l="l" t="t" r="r" b="b"/>
+            <a:pathLst>
+              <a:path w="120000" h="120000" extrusionOk="0">
+                <a:moveTo>
+                  <a:pt x="0" y="0"/>
+                </a:moveTo>
+                <a:lnTo>
+                  <a:pt x="120000" y="0"/>
+                </a:lnTo>
+                <a:lnTo>
+                  <a:pt x="120000" y="120000"/>
+                </a:lnTo>
+                <a:lnTo>
+                  <a:pt x="0" y="120000"/>
+                </a:lnTo>
+                <a:close/>
+              </a:path>
+            </a:pathLst>
+          </a:custGeom>
+        </p:spPr>
+      </p:sp>
+      <p:sp>
+        <p:nvSpPr>
           <p:cNvPr id="126" name="Google Shape;126;g35f391192_029:notes"/>
           <p:cNvSpPr txBox="1">
             <a:spLocks noGrp="1"/>
@@ -1326,7 +1661,7 @@
   <p:cSld>
     <p:spTree>
       <p:nvGrpSpPr>
-        <p:cNvPr id="1" name="Shape 124"/>
+        <p:cNvPr id="1" name="Shape 150"/>
         <p:cNvGrpSpPr/>
         <p:nvPr/>
       </p:nvGrpSpPr>
@@ -1340,7 +1675,7 @@
       </p:grpSpPr>
       <p:sp>
         <p:nvSpPr>
-          <p:cNvPr id="125" name="Google Shape;125;g35f391192_029:notes"/>
+          <p:cNvPr id="151" name="Google Shape;151;g35f391192_017:notes"/>
           <p:cNvSpPr>
             <a:spLocks noGrp="1" noRot="1" noChangeAspect="1"/>
           </p:cNvSpPr>
@@ -1381,7 +1716,7 @@
       </p:sp>
       <p:sp>
         <p:nvSpPr>
-          <p:cNvPr id="126" name="Google Shape;126;g35f391192_029:notes"/>
+          <p:cNvPr id="152" name="Google Shape;152;g35f391192_017:notes"/>
           <p:cNvSpPr txBox="1">
             <a:spLocks noGrp="1"/>
           </p:cNvSpPr>
@@ -1420,7 +1755,7 @@
     </p:spTree>
     <p:extLst>
       <p:ext uri="{BB962C8B-B14F-4D97-AF65-F5344CB8AC3E}">
-        <p14:creationId xmlns:p14="http://schemas.microsoft.com/office/powerpoint/2010/main" val="2391713617"/>
+        <p14:creationId xmlns:p14="http://schemas.microsoft.com/office/powerpoint/2010/main" val="77316446"/>
       </p:ext>
     </p:extLst>
   </p:cSld>
@@ -1435,7 +1770,7 @@
   <p:cSld>
     <p:spTree>
       <p:nvGrpSpPr>
-        <p:cNvPr id="1" name="Shape 124"/>
+        <p:cNvPr id="1" name="Shape 150"/>
         <p:cNvGrpSpPr/>
         <p:nvPr/>
       </p:nvGrpSpPr>
@@ -1449,7 +1784,7 @@
       </p:grpSpPr>
       <p:sp>
         <p:nvSpPr>
-          <p:cNvPr id="125" name="Google Shape;125;g35f391192_029:notes"/>
+          <p:cNvPr id="151" name="Google Shape;151;g35f391192_017:notes"/>
           <p:cNvSpPr>
             <a:spLocks noGrp="1" noRot="1" noChangeAspect="1"/>
           </p:cNvSpPr>
@@ -1490,7 +1825,7 @@
       </p:sp>
       <p:sp>
         <p:nvSpPr>
-          <p:cNvPr id="126" name="Google Shape;126;g35f391192_029:notes"/>
+          <p:cNvPr id="152" name="Google Shape;152;g35f391192_017:notes"/>
           <p:cNvSpPr txBox="1">
             <a:spLocks noGrp="1"/>
           </p:cNvSpPr>
@@ -1529,7 +1864,7 @@
     </p:spTree>
     <p:extLst>
       <p:ext uri="{BB962C8B-B14F-4D97-AF65-F5344CB8AC3E}">
-        <p14:creationId xmlns:p14="http://schemas.microsoft.com/office/powerpoint/2010/main" val="1356533447"/>
+        <p14:creationId xmlns:p14="http://schemas.microsoft.com/office/powerpoint/2010/main" val="2345526854"/>
       </p:ext>
     </p:extLst>
   </p:cSld>
@@ -1686,7 +2021,7 @@
           <a:p>
             <a:fld id="{F6767E1A-6E3E-A54F-AFA4-B374331AE6D6}" type="datetimeFigureOut">
               <a:rPr lang="en-US" smtClean="0"/>
-              <a:t>8/19/21</a:t>
+              <a:t>8/20/21</a:t>
             </a:fld>
             <a:endParaRPr lang="en-US"/>
           </a:p>
@@ -1884,7 +2219,7 @@
           <a:p>
             <a:fld id="{F6767E1A-6E3E-A54F-AFA4-B374331AE6D6}" type="datetimeFigureOut">
               <a:rPr lang="en-US" smtClean="0"/>
-              <a:t>8/19/21</a:t>
+              <a:t>8/20/21</a:t>
             </a:fld>
             <a:endParaRPr lang="en-US"/>
           </a:p>
@@ -2092,7 +2427,7 @@
           <a:p>
             <a:fld id="{F6767E1A-6E3E-A54F-AFA4-B374331AE6D6}" type="datetimeFigureOut">
               <a:rPr lang="en-US" smtClean="0"/>
-              <a:t>8/19/21</a:t>
+              <a:t>8/20/21</a:t>
             </a:fld>
             <a:endParaRPr lang="en-US"/>
           </a:p>
@@ -2953,6 +3288,882 @@
 </file>
 
 <file path=ppt/slideLayouts/slideLayout14.xml><?xml version="1.0" encoding="utf-8"?>
+<p:sldLayout xmlns:a="http://schemas.openxmlformats.org/drawingml/2006/main" xmlns:r="http://schemas.openxmlformats.org/officeDocument/2006/relationships" xmlns:p="http://schemas.openxmlformats.org/presentationml/2006/main" matchingName="Title + 2 columns" type="twoColTx">
+  <p:cSld name="Title + 2 columns">
+    <p:spTree>
+      <p:nvGrpSpPr>
+        <p:cNvPr id="1" name="Shape 40"/>
+        <p:cNvGrpSpPr/>
+        <p:nvPr/>
+      </p:nvGrpSpPr>
+      <p:grpSpPr>
+        <a:xfrm>
+          <a:off x="0" y="0"/>
+          <a:ext cx="0" cy="0"/>
+          <a:chOff x="0" y="0"/>
+          <a:chExt cx="0" cy="0"/>
+        </a:xfrm>
+      </p:grpSpPr>
+      <p:grpSp>
+        <p:nvGrpSpPr>
+          <p:cNvPr id="41" name="Google Shape;41;p6"/>
+          <p:cNvGrpSpPr/>
+          <p:nvPr/>
+        </p:nvGrpSpPr>
+        <p:grpSpPr>
+          <a:xfrm>
+            <a:off x="-1204715" y="-50800"/>
+            <a:ext cx="14032473" cy="6952867"/>
+            <a:chOff x="-903537" y="-38100"/>
+            <a:chExt cx="10524355" cy="5214650"/>
+          </a:xfrm>
+        </p:grpSpPr>
+        <p:sp>
+          <p:nvSpPr>
+            <p:cNvPr id="42" name="Google Shape;42;p6"/>
+            <p:cNvSpPr/>
+            <p:nvPr/>
+          </p:nvSpPr>
+          <p:spPr>
+            <a:xfrm>
+              <a:off x="-55075" y="-38100"/>
+              <a:ext cx="3312625" cy="5214650"/>
+            </a:xfrm>
+            <a:custGeom>
+              <a:avLst/>
+              <a:gdLst/>
+              <a:ahLst/>
+              <a:cxnLst/>
+              <a:rect l="l" t="t" r="r" b="b"/>
+              <a:pathLst>
+                <a:path w="132505" h="208586" extrusionOk="0">
+                  <a:moveTo>
+                    <a:pt x="132505" y="207264"/>
+                  </a:moveTo>
+                  <a:lnTo>
+                    <a:pt x="25063" y="0"/>
+                  </a:lnTo>
+                  <a:lnTo>
+                    <a:pt x="0" y="202"/>
+                  </a:lnTo>
+                  <a:lnTo>
+                    <a:pt x="1322" y="208586"/>
+                  </a:lnTo>
+                  <a:close/>
+                </a:path>
+              </a:pathLst>
+            </a:custGeom>
+            <a:solidFill>
+              <a:schemeClr val="lt2"/>
+            </a:solidFill>
+            <a:ln>
+              <a:noFill/>
+            </a:ln>
+          </p:spPr>
+        </p:sp>
+        <p:sp>
+          <p:nvSpPr>
+            <p:cNvPr id="43" name="Google Shape;43;p6"/>
+            <p:cNvSpPr/>
+            <p:nvPr/>
+          </p:nvSpPr>
+          <p:spPr>
+            <a:xfrm flipH="1">
+              <a:off x="-903537" y="-17561"/>
+              <a:ext cx="1759200" cy="749100"/>
+            </a:xfrm>
+            <a:prstGeom prst="parallelogram">
+              <a:avLst>
+                <a:gd name="adj" fmla="val 51542"/>
+              </a:avLst>
+            </a:prstGeom>
+            <a:solidFill>
+              <a:srgbClr val="1C325F"/>
+            </a:solidFill>
+            <a:ln>
+              <a:noFill/>
+            </a:ln>
+          </p:spPr>
+          <p:txBody>
+            <a:bodyPr spcFirstLastPara="1" wrap="square" lIns="91425" tIns="91425" rIns="91425" bIns="91425" anchor="ctr" anchorCtr="0">
+              <a:noAutofit/>
+            </a:bodyPr>
+            <a:lstStyle/>
+            <a:p>
+              <a:pPr marL="0" lvl="0" indent="0" algn="l" rtl="0">
+                <a:spcBef>
+                  <a:spcPts val="0"/>
+                </a:spcBef>
+                <a:spcAft>
+                  <a:spcPts val="0"/>
+                </a:spcAft>
+                <a:buNone/>
+              </a:pPr>
+              <a:endParaRPr sz="2400"/>
+            </a:p>
+          </p:txBody>
+        </p:sp>
+        <p:sp>
+          <p:nvSpPr>
+            <p:cNvPr id="44" name="Google Shape;44;p6"/>
+            <p:cNvSpPr/>
+            <p:nvPr/>
+          </p:nvSpPr>
+          <p:spPr>
+            <a:xfrm flipH="1">
+              <a:off x="472134" y="-9525"/>
+              <a:ext cx="518400" cy="749100"/>
+            </a:xfrm>
+            <a:prstGeom prst="parallelogram">
+              <a:avLst>
+                <a:gd name="adj" fmla="val 75009"/>
+              </a:avLst>
+            </a:prstGeom>
+            <a:solidFill>
+              <a:srgbClr val="05A491"/>
+            </a:solidFill>
+            <a:ln>
+              <a:noFill/>
+            </a:ln>
+          </p:spPr>
+          <p:txBody>
+            <a:bodyPr spcFirstLastPara="1" wrap="square" lIns="91425" tIns="91425" rIns="91425" bIns="91425" anchor="ctr" anchorCtr="0">
+              <a:noAutofit/>
+            </a:bodyPr>
+            <a:lstStyle/>
+            <a:p>
+              <a:pPr marL="0" lvl="0" indent="0" algn="l" rtl="0">
+                <a:spcBef>
+                  <a:spcPts val="0"/>
+                </a:spcBef>
+                <a:spcAft>
+                  <a:spcPts val="0"/>
+                </a:spcAft>
+                <a:buNone/>
+              </a:pPr>
+              <a:endParaRPr sz="2400"/>
+            </a:p>
+          </p:txBody>
+        </p:sp>
+        <p:sp>
+          <p:nvSpPr>
+            <p:cNvPr id="45" name="Google Shape;45;p6"/>
+            <p:cNvSpPr/>
+            <p:nvPr/>
+          </p:nvSpPr>
+          <p:spPr>
+            <a:xfrm flipH="1">
+              <a:off x="742953" y="272850"/>
+              <a:ext cx="7505700" cy="749100"/>
+            </a:xfrm>
+            <a:prstGeom prst="parallelogram">
+              <a:avLst>
+                <a:gd name="adj" fmla="val 51542"/>
+              </a:avLst>
+            </a:prstGeom>
+            <a:solidFill>
+              <a:srgbClr val="1C325F"/>
+            </a:solidFill>
+            <a:ln>
+              <a:noFill/>
+            </a:ln>
+          </p:spPr>
+          <p:txBody>
+            <a:bodyPr spcFirstLastPara="1" wrap="square" lIns="91425" tIns="91425" rIns="91425" bIns="91425" anchor="ctr" anchorCtr="0">
+              <a:noAutofit/>
+            </a:bodyPr>
+            <a:lstStyle/>
+            <a:p>
+              <a:pPr marL="0" lvl="0" indent="0" algn="l" rtl="0">
+                <a:spcBef>
+                  <a:spcPts val="0"/>
+                </a:spcBef>
+                <a:spcAft>
+                  <a:spcPts val="0"/>
+                </a:spcAft>
+                <a:buNone/>
+              </a:pPr>
+              <a:endParaRPr sz="2400"/>
+            </a:p>
+          </p:txBody>
+        </p:sp>
+        <p:sp>
+          <p:nvSpPr>
+            <p:cNvPr id="46" name="Google Shape;46;p6"/>
+            <p:cNvSpPr/>
+            <p:nvPr/>
+          </p:nvSpPr>
+          <p:spPr>
+            <a:xfrm flipH="1">
+              <a:off x="7861618" y="272850"/>
+              <a:ext cx="1759200" cy="749100"/>
+            </a:xfrm>
+            <a:prstGeom prst="parallelogram">
+              <a:avLst>
+                <a:gd name="adj" fmla="val 51542"/>
+              </a:avLst>
+            </a:prstGeom>
+            <a:solidFill>
+              <a:srgbClr val="05A491"/>
+            </a:solidFill>
+            <a:ln>
+              <a:noFill/>
+            </a:ln>
+          </p:spPr>
+          <p:txBody>
+            <a:bodyPr spcFirstLastPara="1" wrap="square" lIns="91425" tIns="91425" rIns="91425" bIns="91425" anchor="ctr" anchorCtr="0">
+              <a:noAutofit/>
+            </a:bodyPr>
+            <a:lstStyle/>
+            <a:p>
+              <a:pPr marL="0" lvl="0" indent="0" algn="l" rtl="0">
+                <a:spcBef>
+                  <a:spcPts val="0"/>
+                </a:spcBef>
+                <a:spcAft>
+                  <a:spcPts val="0"/>
+                </a:spcAft>
+                <a:buNone/>
+              </a:pPr>
+              <a:endParaRPr sz="2400"/>
+            </a:p>
+          </p:txBody>
+        </p:sp>
+        <p:sp>
+          <p:nvSpPr>
+            <p:cNvPr id="47" name="Google Shape;47;p6"/>
+            <p:cNvSpPr/>
+            <p:nvPr/>
+          </p:nvSpPr>
+          <p:spPr>
+            <a:xfrm flipH="1">
+              <a:off x="990375" y="4925850"/>
+              <a:ext cx="8369700" cy="228000"/>
+            </a:xfrm>
+            <a:prstGeom prst="parallelogram">
+              <a:avLst>
+                <a:gd name="adj" fmla="val 51542"/>
+              </a:avLst>
+            </a:prstGeom>
+            <a:solidFill>
+              <a:srgbClr val="05A491"/>
+            </a:solidFill>
+            <a:ln>
+              <a:noFill/>
+            </a:ln>
+          </p:spPr>
+          <p:txBody>
+            <a:bodyPr spcFirstLastPara="1" wrap="square" lIns="91425" tIns="91425" rIns="91425" bIns="91425" anchor="ctr" anchorCtr="0">
+              <a:noAutofit/>
+            </a:bodyPr>
+            <a:lstStyle/>
+            <a:p>
+              <a:pPr marL="0" lvl="0" indent="0" algn="l" rtl="0">
+                <a:spcBef>
+                  <a:spcPts val="0"/>
+                </a:spcBef>
+                <a:spcAft>
+                  <a:spcPts val="0"/>
+                </a:spcAft>
+                <a:buNone/>
+              </a:pPr>
+              <a:endParaRPr sz="2400"/>
+            </a:p>
+          </p:txBody>
+        </p:sp>
+      </p:grpSp>
+      <p:sp>
+        <p:nvSpPr>
+          <p:cNvPr id="48" name="Google Shape;48;p6"/>
+          <p:cNvSpPr txBox="1">
+            <a:spLocks noGrp="1"/>
+          </p:cNvSpPr>
+          <p:nvPr>
+            <p:ph type="title"/>
+          </p:nvPr>
+        </p:nvSpPr>
+        <p:spPr>
+          <a:xfrm>
+            <a:off x="1468515" y="363800"/>
+            <a:ext cx="10099200" cy="998800"/>
+          </a:xfrm>
+          <a:prstGeom prst="rect">
+            <a:avLst/>
+          </a:prstGeom>
+        </p:spPr>
+        <p:txBody>
+          <a:bodyPr spcFirstLastPara="1" wrap="square" lIns="91425" tIns="91425" rIns="91425" bIns="91425" anchor="ctr" anchorCtr="0">
+            <a:noAutofit/>
+          </a:bodyPr>
+          <a:lstStyle>
+            <a:lvl1pPr lvl="0">
+              <a:spcBef>
+                <a:spcPts val="0"/>
+              </a:spcBef>
+              <a:spcAft>
+                <a:spcPts val="0"/>
+              </a:spcAft>
+              <a:buSzPts val="2400"/>
+              <a:buFont typeface="Raleway"/>
+              <a:buNone/>
+              <a:defRPr sz="3200">
+                <a:latin typeface="Raleway"/>
+                <a:ea typeface="Raleway"/>
+                <a:cs typeface="Raleway"/>
+                <a:sym typeface="Raleway"/>
+              </a:defRPr>
+            </a:lvl1pPr>
+            <a:lvl2pPr lvl="1">
+              <a:spcBef>
+                <a:spcPts val="0"/>
+              </a:spcBef>
+              <a:spcAft>
+                <a:spcPts val="0"/>
+              </a:spcAft>
+              <a:buSzPts val="2400"/>
+              <a:buNone/>
+              <a:defRPr sz="3200" b="0"/>
+            </a:lvl2pPr>
+            <a:lvl3pPr lvl="2">
+              <a:spcBef>
+                <a:spcPts val="0"/>
+              </a:spcBef>
+              <a:spcAft>
+                <a:spcPts val="0"/>
+              </a:spcAft>
+              <a:buSzPts val="2400"/>
+              <a:buNone/>
+              <a:defRPr sz="3200" b="0"/>
+            </a:lvl3pPr>
+            <a:lvl4pPr lvl="3">
+              <a:spcBef>
+                <a:spcPts val="0"/>
+              </a:spcBef>
+              <a:spcAft>
+                <a:spcPts val="0"/>
+              </a:spcAft>
+              <a:buSzPts val="2400"/>
+              <a:buNone/>
+              <a:defRPr sz="3200" b="0"/>
+            </a:lvl4pPr>
+            <a:lvl5pPr lvl="4">
+              <a:spcBef>
+                <a:spcPts val="0"/>
+              </a:spcBef>
+              <a:spcAft>
+                <a:spcPts val="0"/>
+              </a:spcAft>
+              <a:buSzPts val="2400"/>
+              <a:buNone/>
+              <a:defRPr sz="3200" b="0"/>
+            </a:lvl5pPr>
+            <a:lvl6pPr lvl="5">
+              <a:spcBef>
+                <a:spcPts val="0"/>
+              </a:spcBef>
+              <a:spcAft>
+                <a:spcPts val="0"/>
+              </a:spcAft>
+              <a:buSzPts val="2400"/>
+              <a:buNone/>
+              <a:defRPr sz="3200" b="0"/>
+            </a:lvl6pPr>
+            <a:lvl7pPr lvl="6">
+              <a:spcBef>
+                <a:spcPts val="0"/>
+              </a:spcBef>
+              <a:spcAft>
+                <a:spcPts val="0"/>
+              </a:spcAft>
+              <a:buSzPts val="2400"/>
+              <a:buNone/>
+              <a:defRPr sz="3200" b="0"/>
+            </a:lvl7pPr>
+            <a:lvl8pPr lvl="7">
+              <a:spcBef>
+                <a:spcPts val="0"/>
+              </a:spcBef>
+              <a:spcAft>
+                <a:spcPts val="0"/>
+              </a:spcAft>
+              <a:buSzPts val="2400"/>
+              <a:buNone/>
+              <a:defRPr sz="3200" b="0"/>
+            </a:lvl8pPr>
+            <a:lvl9pPr lvl="8">
+              <a:spcBef>
+                <a:spcPts val="0"/>
+              </a:spcBef>
+              <a:spcAft>
+                <a:spcPts val="0"/>
+              </a:spcAft>
+              <a:buSzPts val="2400"/>
+              <a:buNone/>
+              <a:defRPr sz="3200" b="0"/>
+            </a:lvl9pPr>
+          </a:lstStyle>
+          <a:p>
+            <a:endParaRPr/>
+          </a:p>
+        </p:txBody>
+      </p:sp>
+      <p:sp>
+        <p:nvSpPr>
+          <p:cNvPr id="49" name="Google Shape;49;p6"/>
+          <p:cNvSpPr txBox="1">
+            <a:spLocks noGrp="1"/>
+          </p:cNvSpPr>
+          <p:nvPr>
+            <p:ph type="body" idx="1"/>
+          </p:nvPr>
+        </p:nvSpPr>
+        <p:spPr>
+          <a:xfrm>
+            <a:off x="1468500" y="1748733"/>
+            <a:ext cx="4909200" cy="4717200"/>
+          </a:xfrm>
+          <a:prstGeom prst="rect">
+            <a:avLst/>
+          </a:prstGeom>
+        </p:spPr>
+        <p:txBody>
+          <a:bodyPr spcFirstLastPara="1" wrap="square" lIns="91425" tIns="91425" rIns="91425" bIns="91425" anchor="t" anchorCtr="0">
+            <a:noAutofit/>
+          </a:bodyPr>
+          <a:lstStyle>
+            <a:lvl1pPr marL="609585" lvl="0" indent="-524920">
+              <a:spcBef>
+                <a:spcPts val="800"/>
+              </a:spcBef>
+              <a:spcAft>
+                <a:spcPts val="0"/>
+              </a:spcAft>
+              <a:buSzPts val="2600"/>
+              <a:buChar char="▸"/>
+              <a:defRPr sz="3467">
+                <a:solidFill>
+                  <a:srgbClr val="1C325F"/>
+                </a:solidFill>
+              </a:defRPr>
+            </a:lvl1pPr>
+            <a:lvl2pPr marL="1219170" lvl="1" indent="-524920">
+              <a:spcBef>
+                <a:spcPts val="0"/>
+              </a:spcBef>
+              <a:spcAft>
+                <a:spcPts val="0"/>
+              </a:spcAft>
+              <a:buSzPts val="2600"/>
+              <a:buChar char="▹"/>
+              <a:defRPr sz="3467">
+                <a:solidFill>
+                  <a:srgbClr val="1C325F"/>
+                </a:solidFill>
+              </a:defRPr>
+            </a:lvl2pPr>
+            <a:lvl3pPr marL="1828754" lvl="2" indent="-524920">
+              <a:spcBef>
+                <a:spcPts val="0"/>
+              </a:spcBef>
+              <a:spcAft>
+                <a:spcPts val="0"/>
+              </a:spcAft>
+              <a:buClr>
+                <a:srgbClr val="1C325F"/>
+              </a:buClr>
+              <a:buSzPts val="2600"/>
+              <a:buChar char="▹"/>
+              <a:defRPr sz="3467">
+                <a:solidFill>
+                  <a:srgbClr val="1C325F"/>
+                </a:solidFill>
+              </a:defRPr>
+            </a:lvl3pPr>
+            <a:lvl4pPr marL="2438339" lvl="3" indent="-524920">
+              <a:spcBef>
+                <a:spcPts val="0"/>
+              </a:spcBef>
+              <a:spcAft>
+                <a:spcPts val="0"/>
+              </a:spcAft>
+              <a:buClr>
+                <a:srgbClr val="1C325F"/>
+              </a:buClr>
+              <a:buSzPts val="2600"/>
+              <a:buChar char="▹"/>
+              <a:defRPr sz="3467">
+                <a:solidFill>
+                  <a:srgbClr val="1C325F"/>
+                </a:solidFill>
+              </a:defRPr>
+            </a:lvl4pPr>
+            <a:lvl5pPr marL="3047924" lvl="4" indent="-524920">
+              <a:spcBef>
+                <a:spcPts val="0"/>
+              </a:spcBef>
+              <a:spcAft>
+                <a:spcPts val="0"/>
+              </a:spcAft>
+              <a:buClr>
+                <a:srgbClr val="1C325F"/>
+              </a:buClr>
+              <a:buSzPts val="2600"/>
+              <a:buChar char="▹"/>
+              <a:defRPr sz="3467">
+                <a:solidFill>
+                  <a:srgbClr val="1C325F"/>
+                </a:solidFill>
+              </a:defRPr>
+            </a:lvl5pPr>
+            <a:lvl6pPr marL="3657509" lvl="5" indent="-524920">
+              <a:spcBef>
+                <a:spcPts val="0"/>
+              </a:spcBef>
+              <a:spcAft>
+                <a:spcPts val="0"/>
+              </a:spcAft>
+              <a:buClr>
+                <a:srgbClr val="1C325F"/>
+              </a:buClr>
+              <a:buSzPts val="2600"/>
+              <a:buChar char="▹"/>
+              <a:defRPr sz="3467">
+                <a:solidFill>
+                  <a:srgbClr val="1C325F"/>
+                </a:solidFill>
+              </a:defRPr>
+            </a:lvl6pPr>
+            <a:lvl7pPr marL="4267093" lvl="6" indent="-524920">
+              <a:spcBef>
+                <a:spcPts val="0"/>
+              </a:spcBef>
+              <a:spcAft>
+                <a:spcPts val="0"/>
+              </a:spcAft>
+              <a:buClr>
+                <a:srgbClr val="1C325F"/>
+              </a:buClr>
+              <a:buSzPts val="2600"/>
+              <a:buChar char="▹"/>
+              <a:defRPr sz="3467">
+                <a:solidFill>
+                  <a:srgbClr val="1C325F"/>
+                </a:solidFill>
+              </a:defRPr>
+            </a:lvl7pPr>
+            <a:lvl8pPr marL="4876678" lvl="7" indent="-524920">
+              <a:spcBef>
+                <a:spcPts val="0"/>
+              </a:spcBef>
+              <a:spcAft>
+                <a:spcPts val="0"/>
+              </a:spcAft>
+              <a:buClr>
+                <a:srgbClr val="1C325F"/>
+              </a:buClr>
+              <a:buSzPts val="2600"/>
+              <a:buChar char="▹"/>
+              <a:defRPr sz="3467">
+                <a:solidFill>
+                  <a:srgbClr val="1C325F"/>
+                </a:solidFill>
+              </a:defRPr>
+            </a:lvl8pPr>
+            <a:lvl9pPr marL="5486263" lvl="8" indent="-524920">
+              <a:spcBef>
+                <a:spcPts val="0"/>
+              </a:spcBef>
+              <a:spcAft>
+                <a:spcPts val="0"/>
+              </a:spcAft>
+              <a:buClr>
+                <a:srgbClr val="1C325F"/>
+              </a:buClr>
+              <a:buSzPts val="2600"/>
+              <a:buChar char="▹"/>
+              <a:defRPr sz="3467">
+                <a:solidFill>
+                  <a:srgbClr val="1C325F"/>
+                </a:solidFill>
+              </a:defRPr>
+            </a:lvl9pPr>
+          </a:lstStyle>
+          <a:p>
+            <a:endParaRPr/>
+          </a:p>
+        </p:txBody>
+      </p:sp>
+      <p:sp>
+        <p:nvSpPr>
+          <p:cNvPr id="50" name="Google Shape;50;p6"/>
+          <p:cNvSpPr txBox="1">
+            <a:spLocks noGrp="1"/>
+          </p:cNvSpPr>
+          <p:nvPr>
+            <p:ph type="body" idx="2"/>
+          </p:nvPr>
+        </p:nvSpPr>
+        <p:spPr>
+          <a:xfrm>
+            <a:off x="6673265" y="1748733"/>
+            <a:ext cx="4909200" cy="4717200"/>
+          </a:xfrm>
+          <a:prstGeom prst="rect">
+            <a:avLst/>
+          </a:prstGeom>
+        </p:spPr>
+        <p:txBody>
+          <a:bodyPr spcFirstLastPara="1" wrap="square" lIns="91425" tIns="91425" rIns="91425" bIns="91425" anchor="t" anchorCtr="0">
+            <a:noAutofit/>
+          </a:bodyPr>
+          <a:lstStyle>
+            <a:lvl1pPr marL="609585" lvl="0" indent="-524920">
+              <a:spcBef>
+                <a:spcPts val="800"/>
+              </a:spcBef>
+              <a:spcAft>
+                <a:spcPts val="0"/>
+              </a:spcAft>
+              <a:buSzPts val="2600"/>
+              <a:buChar char="▸"/>
+              <a:defRPr sz="3467">
+                <a:solidFill>
+                  <a:srgbClr val="1C325F"/>
+                </a:solidFill>
+              </a:defRPr>
+            </a:lvl1pPr>
+            <a:lvl2pPr marL="1219170" lvl="1" indent="-524920">
+              <a:spcBef>
+                <a:spcPts val="0"/>
+              </a:spcBef>
+              <a:spcAft>
+                <a:spcPts val="0"/>
+              </a:spcAft>
+              <a:buSzPts val="2600"/>
+              <a:buChar char="▹"/>
+              <a:defRPr sz="3467">
+                <a:solidFill>
+                  <a:srgbClr val="1C325F"/>
+                </a:solidFill>
+              </a:defRPr>
+            </a:lvl2pPr>
+            <a:lvl3pPr marL="1828754" lvl="2" indent="-524920">
+              <a:spcBef>
+                <a:spcPts val="0"/>
+              </a:spcBef>
+              <a:spcAft>
+                <a:spcPts val="0"/>
+              </a:spcAft>
+              <a:buClr>
+                <a:srgbClr val="1C325F"/>
+              </a:buClr>
+              <a:buSzPts val="2600"/>
+              <a:buChar char="▹"/>
+              <a:defRPr sz="3467">
+                <a:solidFill>
+                  <a:srgbClr val="1C325F"/>
+                </a:solidFill>
+              </a:defRPr>
+            </a:lvl3pPr>
+            <a:lvl4pPr marL="2438339" lvl="3" indent="-524920">
+              <a:spcBef>
+                <a:spcPts val="0"/>
+              </a:spcBef>
+              <a:spcAft>
+                <a:spcPts val="0"/>
+              </a:spcAft>
+              <a:buClr>
+                <a:srgbClr val="1C325F"/>
+              </a:buClr>
+              <a:buSzPts val="2600"/>
+              <a:buChar char="▹"/>
+              <a:defRPr sz="3467">
+                <a:solidFill>
+                  <a:srgbClr val="1C325F"/>
+                </a:solidFill>
+              </a:defRPr>
+            </a:lvl4pPr>
+            <a:lvl5pPr marL="3047924" lvl="4" indent="-524920">
+              <a:spcBef>
+                <a:spcPts val="0"/>
+              </a:spcBef>
+              <a:spcAft>
+                <a:spcPts val="0"/>
+              </a:spcAft>
+              <a:buClr>
+                <a:srgbClr val="1C325F"/>
+              </a:buClr>
+              <a:buSzPts val="2600"/>
+              <a:buChar char="▹"/>
+              <a:defRPr sz="3467">
+                <a:solidFill>
+                  <a:srgbClr val="1C325F"/>
+                </a:solidFill>
+              </a:defRPr>
+            </a:lvl5pPr>
+            <a:lvl6pPr marL="3657509" lvl="5" indent="-524920">
+              <a:spcBef>
+                <a:spcPts val="0"/>
+              </a:spcBef>
+              <a:spcAft>
+                <a:spcPts val="0"/>
+              </a:spcAft>
+              <a:buClr>
+                <a:srgbClr val="1C325F"/>
+              </a:buClr>
+              <a:buSzPts val="2600"/>
+              <a:buChar char="▹"/>
+              <a:defRPr sz="3467">
+                <a:solidFill>
+                  <a:srgbClr val="1C325F"/>
+                </a:solidFill>
+              </a:defRPr>
+            </a:lvl6pPr>
+            <a:lvl7pPr marL="4267093" lvl="6" indent="-524920">
+              <a:spcBef>
+                <a:spcPts val="0"/>
+              </a:spcBef>
+              <a:spcAft>
+                <a:spcPts val="0"/>
+              </a:spcAft>
+              <a:buClr>
+                <a:srgbClr val="1C325F"/>
+              </a:buClr>
+              <a:buSzPts val="2600"/>
+              <a:buChar char="▹"/>
+              <a:defRPr sz="3467">
+                <a:solidFill>
+                  <a:srgbClr val="1C325F"/>
+                </a:solidFill>
+              </a:defRPr>
+            </a:lvl7pPr>
+            <a:lvl8pPr marL="4876678" lvl="7" indent="-524920">
+              <a:spcBef>
+                <a:spcPts val="0"/>
+              </a:spcBef>
+              <a:spcAft>
+                <a:spcPts val="0"/>
+              </a:spcAft>
+              <a:buClr>
+                <a:srgbClr val="1C325F"/>
+              </a:buClr>
+              <a:buSzPts val="2600"/>
+              <a:buChar char="▹"/>
+              <a:defRPr sz="3467">
+                <a:solidFill>
+                  <a:srgbClr val="1C325F"/>
+                </a:solidFill>
+              </a:defRPr>
+            </a:lvl8pPr>
+            <a:lvl9pPr marL="5486263" lvl="8" indent="-524920">
+              <a:spcBef>
+                <a:spcPts val="0"/>
+              </a:spcBef>
+              <a:spcAft>
+                <a:spcPts val="0"/>
+              </a:spcAft>
+              <a:buClr>
+                <a:srgbClr val="1C325F"/>
+              </a:buClr>
+              <a:buSzPts val="2600"/>
+              <a:buChar char="▹"/>
+              <a:defRPr sz="3467">
+                <a:solidFill>
+                  <a:srgbClr val="1C325F"/>
+                </a:solidFill>
+              </a:defRPr>
+            </a:lvl9pPr>
+          </a:lstStyle>
+          <a:p>
+            <a:endParaRPr/>
+          </a:p>
+        </p:txBody>
+      </p:sp>
+      <p:sp>
+        <p:nvSpPr>
+          <p:cNvPr id="51" name="Google Shape;51;p6"/>
+          <p:cNvSpPr txBox="1">
+            <a:spLocks noGrp="1"/>
+          </p:cNvSpPr>
+          <p:nvPr>
+            <p:ph type="sldNum" idx="12"/>
+          </p:nvPr>
+        </p:nvSpPr>
+        <p:spPr>
+          <a:xfrm>
+            <a:off x="0" y="0"/>
+            <a:ext cx="793200" cy="975600"/>
+          </a:xfrm>
+          <a:prstGeom prst="rect">
+            <a:avLst/>
+          </a:prstGeom>
+        </p:spPr>
+        <p:txBody>
+          <a:bodyPr spcFirstLastPara="1" wrap="square" lIns="91425" tIns="91425" rIns="91425" bIns="91425" anchor="ctr" anchorCtr="0">
+            <a:noAutofit/>
+          </a:bodyPr>
+          <a:lstStyle>
+            <a:lvl1pPr lvl="0">
+              <a:buNone/>
+              <a:defRPr/>
+            </a:lvl1pPr>
+            <a:lvl2pPr lvl="1">
+              <a:buNone/>
+              <a:defRPr/>
+            </a:lvl2pPr>
+            <a:lvl3pPr lvl="2">
+              <a:buNone/>
+              <a:defRPr/>
+            </a:lvl3pPr>
+            <a:lvl4pPr lvl="3">
+              <a:buNone/>
+              <a:defRPr/>
+            </a:lvl4pPr>
+            <a:lvl5pPr lvl="4">
+              <a:buNone/>
+              <a:defRPr/>
+            </a:lvl5pPr>
+            <a:lvl6pPr lvl="5">
+              <a:buNone/>
+              <a:defRPr/>
+            </a:lvl6pPr>
+            <a:lvl7pPr lvl="6">
+              <a:buNone/>
+              <a:defRPr/>
+            </a:lvl7pPr>
+            <a:lvl8pPr lvl="7">
+              <a:buNone/>
+              <a:defRPr/>
+            </a:lvl8pPr>
+            <a:lvl9pPr lvl="8">
+              <a:buNone/>
+              <a:defRPr/>
+            </a:lvl9pPr>
+          </a:lstStyle>
+          <a:p>
+            <a:fld id="{00000000-1234-1234-1234-123412341234}" type="slidenum">
+              <a:rPr lang="en" smtClean="0"/>
+              <a:pPr/>
+              <a:t>‹#›</a:t>
+            </a:fld>
+            <a:endParaRPr lang="en"/>
+          </a:p>
+        </p:txBody>
+      </p:sp>
+    </p:spTree>
+    <p:extLst>
+      <p:ext uri="{BB962C8B-B14F-4D97-AF65-F5344CB8AC3E}">
+        <p14:creationId xmlns:p14="http://schemas.microsoft.com/office/powerpoint/2010/main" val="2594532265"/>
+      </p:ext>
+    </p:extLst>
+  </p:cSld>
+  <p:clrMapOvr>
+    <a:masterClrMapping/>
+  </p:clrMapOvr>
+</p:sldLayout>
+</file>
+
+<file path=ppt/slideLayouts/slideLayout15.xml><?xml version="1.0" encoding="utf-8"?>
 <p:sldLayout xmlns:a="http://schemas.openxmlformats.org/drawingml/2006/main" xmlns:r="http://schemas.openxmlformats.org/officeDocument/2006/relationships" xmlns:p="http://schemas.openxmlformats.org/presentationml/2006/main" matchingName="Title" type="title">
   <p:cSld name="Title">
     <p:bg>
@@ -3268,7 +4479,7 @@
 </p:sldLayout>
 </file>
 
-<file path=ppt/slideLayouts/slideLayout15.xml><?xml version="1.0" encoding="utf-8"?>
+<file path=ppt/slideLayouts/slideLayout16.xml><?xml version="1.0" encoding="utf-8"?>
 <p:sldLayout xmlns:a="http://schemas.openxmlformats.org/drawingml/2006/main" xmlns:r="http://schemas.openxmlformats.org/officeDocument/2006/relationships" xmlns:p="http://schemas.openxmlformats.org/presentationml/2006/main" matchingName="Subtitle">
   <p:cSld name="Subtitle">
     <p:bg>
@@ -3739,7 +4950,7 @@
 </p:sldLayout>
 </file>
 
-<file path=ppt/slideLayouts/slideLayout16.xml><?xml version="1.0" encoding="utf-8"?>
+<file path=ppt/slideLayouts/slideLayout17.xml><?xml version="1.0" encoding="utf-8"?>
 <p:sldLayout xmlns:a="http://schemas.openxmlformats.org/drawingml/2006/main" xmlns:r="http://schemas.openxmlformats.org/officeDocument/2006/relationships" xmlns:p="http://schemas.openxmlformats.org/presentationml/2006/main" matchingName="Bootcamp">
   <p:cSld name="Bootcamp">
     <p:spTree>
@@ -4286,7 +5497,7 @@
 </p:sldLayout>
 </file>
 
-<file path=ppt/slideLayouts/slideLayout17.xml><?xml version="1.0" encoding="utf-8"?>
+<file path=ppt/slideLayouts/slideLayout18.xml><?xml version="1.0" encoding="utf-8"?>
 <p:sldLayout xmlns:a="http://schemas.openxmlformats.org/drawingml/2006/main" xmlns:r="http://schemas.openxmlformats.org/officeDocument/2006/relationships" xmlns:p="http://schemas.openxmlformats.org/presentationml/2006/main" matchingName="Title + 1 column" type="tx">
   <p:cSld name="Title + 1 column">
     <p:spTree>
@@ -4977,7 +6188,7 @@
 </p:sldLayout>
 </file>
 
-<file path=ppt/slideLayouts/slideLayout18.xml><?xml version="1.0" encoding="utf-8"?>
+<file path=ppt/slideLayouts/slideLayout19.xml><?xml version="1.0" encoding="utf-8"?>
 <p:sldLayout xmlns:a="http://schemas.openxmlformats.org/drawingml/2006/main" xmlns:r="http://schemas.openxmlformats.org/officeDocument/2006/relationships" xmlns:p="http://schemas.openxmlformats.org/presentationml/2006/main" matchingName="Title + 2 columns" type="twoColTx">
   <p:cSld name="Title + 2 columns">
     <p:spTree>
@@ -5853,7 +7064,205 @@
 </p:sldLayout>
 </file>
 
-<file path=ppt/slideLayouts/slideLayout19.xml><?xml version="1.0" encoding="utf-8"?>
+<file path=ppt/slideLayouts/slideLayout2.xml><?xml version="1.0" encoding="utf-8"?>
+<p:sldLayout xmlns:a="http://schemas.openxmlformats.org/drawingml/2006/main" xmlns:r="http://schemas.openxmlformats.org/officeDocument/2006/relationships" xmlns:p="http://schemas.openxmlformats.org/presentationml/2006/main" type="obj" preserve="1">
+  <p:cSld name="Title and Content">
+    <p:spTree>
+      <p:nvGrpSpPr>
+        <p:cNvPr id="1" name=""/>
+        <p:cNvGrpSpPr/>
+        <p:nvPr/>
+      </p:nvGrpSpPr>
+      <p:grpSpPr>
+        <a:xfrm>
+          <a:off x="0" y="0"/>
+          <a:ext cx="0" cy="0"/>
+          <a:chOff x="0" y="0"/>
+          <a:chExt cx="0" cy="0"/>
+        </a:xfrm>
+      </p:grpSpPr>
+      <p:sp>
+        <p:nvSpPr>
+          <p:cNvPr id="2" name="Title 1">
+            <a:extLst>
+              <a:ext uri="{FF2B5EF4-FFF2-40B4-BE49-F238E27FC236}">
+                <a16:creationId xmlns:a16="http://schemas.microsoft.com/office/drawing/2014/main" id="{E67F4B67-FEDD-2749-9083-2E5A9A7E69FA}"/>
+              </a:ext>
+            </a:extLst>
+          </p:cNvPr>
+          <p:cNvSpPr>
+            <a:spLocks noGrp="1"/>
+          </p:cNvSpPr>
+          <p:nvPr>
+            <p:ph type="title"/>
+          </p:nvPr>
+        </p:nvSpPr>
+        <p:spPr/>
+        <p:txBody>
+          <a:bodyPr/>
+          <a:lstStyle/>
+          <a:p>
+            <a:r>
+              <a:rPr lang="en-US"/>
+              <a:t>Click to edit Master title style</a:t>
+            </a:r>
+          </a:p>
+        </p:txBody>
+      </p:sp>
+      <p:sp>
+        <p:nvSpPr>
+          <p:cNvPr id="3" name="Content Placeholder 2">
+            <a:extLst>
+              <a:ext uri="{FF2B5EF4-FFF2-40B4-BE49-F238E27FC236}">
+                <a16:creationId xmlns:a16="http://schemas.microsoft.com/office/drawing/2014/main" id="{34301199-E063-FE46-B766-37B66E7E0660}"/>
+              </a:ext>
+            </a:extLst>
+          </p:cNvPr>
+          <p:cNvSpPr>
+            <a:spLocks noGrp="1"/>
+          </p:cNvSpPr>
+          <p:nvPr>
+            <p:ph idx="1"/>
+          </p:nvPr>
+        </p:nvSpPr>
+        <p:spPr/>
+        <p:txBody>
+          <a:bodyPr/>
+          <a:lstStyle/>
+          <a:p>
+            <a:pPr lvl="0"/>
+            <a:r>
+              <a:rPr lang="en-US"/>
+              <a:t>Click to edit Master text styles</a:t>
+            </a:r>
+          </a:p>
+          <a:p>
+            <a:pPr lvl="1"/>
+            <a:r>
+              <a:rPr lang="en-US"/>
+              <a:t>Second level</a:t>
+            </a:r>
+          </a:p>
+          <a:p>
+            <a:pPr lvl="2"/>
+            <a:r>
+              <a:rPr lang="en-US"/>
+              <a:t>Third level</a:t>
+            </a:r>
+          </a:p>
+          <a:p>
+            <a:pPr lvl="3"/>
+            <a:r>
+              <a:rPr lang="en-US"/>
+              <a:t>Fourth level</a:t>
+            </a:r>
+          </a:p>
+          <a:p>
+            <a:pPr lvl="4"/>
+            <a:r>
+              <a:rPr lang="en-US"/>
+              <a:t>Fifth level</a:t>
+            </a:r>
+          </a:p>
+        </p:txBody>
+      </p:sp>
+      <p:sp>
+        <p:nvSpPr>
+          <p:cNvPr id="4" name="Date Placeholder 3">
+            <a:extLst>
+              <a:ext uri="{FF2B5EF4-FFF2-40B4-BE49-F238E27FC236}">
+                <a16:creationId xmlns:a16="http://schemas.microsoft.com/office/drawing/2014/main" id="{190402F2-D2A2-9142-99AE-C78469888BE4}"/>
+              </a:ext>
+            </a:extLst>
+          </p:cNvPr>
+          <p:cNvSpPr>
+            <a:spLocks noGrp="1"/>
+          </p:cNvSpPr>
+          <p:nvPr>
+            <p:ph type="dt" sz="half" idx="10"/>
+          </p:nvPr>
+        </p:nvSpPr>
+        <p:spPr/>
+        <p:txBody>
+          <a:bodyPr/>
+          <a:lstStyle/>
+          <a:p>
+            <a:fld id="{F6767E1A-6E3E-A54F-AFA4-B374331AE6D6}" type="datetimeFigureOut">
+              <a:rPr lang="en-US" smtClean="0"/>
+              <a:t>8/20/21</a:t>
+            </a:fld>
+            <a:endParaRPr lang="en-US"/>
+          </a:p>
+        </p:txBody>
+      </p:sp>
+      <p:sp>
+        <p:nvSpPr>
+          <p:cNvPr id="5" name="Footer Placeholder 4">
+            <a:extLst>
+              <a:ext uri="{FF2B5EF4-FFF2-40B4-BE49-F238E27FC236}">
+                <a16:creationId xmlns:a16="http://schemas.microsoft.com/office/drawing/2014/main" id="{A686A8A8-7842-1D4A-8999-6FE200027155}"/>
+              </a:ext>
+            </a:extLst>
+          </p:cNvPr>
+          <p:cNvSpPr>
+            <a:spLocks noGrp="1"/>
+          </p:cNvSpPr>
+          <p:nvPr>
+            <p:ph type="ftr" sz="quarter" idx="11"/>
+          </p:nvPr>
+        </p:nvSpPr>
+        <p:spPr/>
+        <p:txBody>
+          <a:bodyPr/>
+          <a:lstStyle/>
+          <a:p>
+            <a:endParaRPr lang="en-US"/>
+          </a:p>
+        </p:txBody>
+      </p:sp>
+      <p:sp>
+        <p:nvSpPr>
+          <p:cNvPr id="6" name="Slide Number Placeholder 5">
+            <a:extLst>
+              <a:ext uri="{FF2B5EF4-FFF2-40B4-BE49-F238E27FC236}">
+                <a16:creationId xmlns:a16="http://schemas.microsoft.com/office/drawing/2014/main" id="{A3A19320-A5B3-544A-B6E6-25A6B967DB5A}"/>
+              </a:ext>
+            </a:extLst>
+          </p:cNvPr>
+          <p:cNvSpPr>
+            <a:spLocks noGrp="1"/>
+          </p:cNvSpPr>
+          <p:nvPr>
+            <p:ph type="sldNum" sz="quarter" idx="12"/>
+          </p:nvPr>
+        </p:nvSpPr>
+        <p:spPr/>
+        <p:txBody>
+          <a:bodyPr/>
+          <a:lstStyle/>
+          <a:p>
+            <a:fld id="{3247CAF6-553C-F34F-8E45-BDA2AD71C224}" type="slidenum">
+              <a:rPr lang="en-US" smtClean="0"/>
+              <a:t>‹#›</a:t>
+            </a:fld>
+            <a:endParaRPr lang="en-US"/>
+          </a:p>
+        </p:txBody>
+      </p:sp>
+    </p:spTree>
+    <p:extLst>
+      <p:ext uri="{BB962C8B-B14F-4D97-AF65-F5344CB8AC3E}">
+        <p14:creationId xmlns:p14="http://schemas.microsoft.com/office/powerpoint/2010/main" val="3676871920"/>
+      </p:ext>
+    </p:extLst>
+  </p:cSld>
+  <p:clrMapOvr>
+    <a:masterClrMapping/>
+  </p:clrMapOvr>
+</p:sldLayout>
+</file>
+
+<file path=ppt/slideLayouts/slideLayout20.xml><?xml version="1.0" encoding="utf-8"?>
 <p:sldLayout xmlns:a="http://schemas.openxmlformats.org/drawingml/2006/main" xmlns:r="http://schemas.openxmlformats.org/officeDocument/2006/relationships" xmlns:p="http://schemas.openxmlformats.org/presentationml/2006/main" matchingName="Title + 3 columns">
   <p:cSld name="Title + 3 columns">
     <p:spTree>
@@ -6915,205 +8324,7 @@
 </p:sldLayout>
 </file>
 
-<file path=ppt/slideLayouts/slideLayout2.xml><?xml version="1.0" encoding="utf-8"?>
-<p:sldLayout xmlns:a="http://schemas.openxmlformats.org/drawingml/2006/main" xmlns:r="http://schemas.openxmlformats.org/officeDocument/2006/relationships" xmlns:p="http://schemas.openxmlformats.org/presentationml/2006/main" type="obj" preserve="1">
-  <p:cSld name="Title and Content">
-    <p:spTree>
-      <p:nvGrpSpPr>
-        <p:cNvPr id="1" name=""/>
-        <p:cNvGrpSpPr/>
-        <p:nvPr/>
-      </p:nvGrpSpPr>
-      <p:grpSpPr>
-        <a:xfrm>
-          <a:off x="0" y="0"/>
-          <a:ext cx="0" cy="0"/>
-          <a:chOff x="0" y="0"/>
-          <a:chExt cx="0" cy="0"/>
-        </a:xfrm>
-      </p:grpSpPr>
-      <p:sp>
-        <p:nvSpPr>
-          <p:cNvPr id="2" name="Title 1">
-            <a:extLst>
-              <a:ext uri="{FF2B5EF4-FFF2-40B4-BE49-F238E27FC236}">
-                <a16:creationId xmlns:a16="http://schemas.microsoft.com/office/drawing/2014/main" id="{E67F4B67-FEDD-2749-9083-2E5A9A7E69FA}"/>
-              </a:ext>
-            </a:extLst>
-          </p:cNvPr>
-          <p:cNvSpPr>
-            <a:spLocks noGrp="1"/>
-          </p:cNvSpPr>
-          <p:nvPr>
-            <p:ph type="title"/>
-          </p:nvPr>
-        </p:nvSpPr>
-        <p:spPr/>
-        <p:txBody>
-          <a:bodyPr/>
-          <a:lstStyle/>
-          <a:p>
-            <a:r>
-              <a:rPr lang="en-US"/>
-              <a:t>Click to edit Master title style</a:t>
-            </a:r>
-          </a:p>
-        </p:txBody>
-      </p:sp>
-      <p:sp>
-        <p:nvSpPr>
-          <p:cNvPr id="3" name="Content Placeholder 2">
-            <a:extLst>
-              <a:ext uri="{FF2B5EF4-FFF2-40B4-BE49-F238E27FC236}">
-                <a16:creationId xmlns:a16="http://schemas.microsoft.com/office/drawing/2014/main" id="{34301199-E063-FE46-B766-37B66E7E0660}"/>
-              </a:ext>
-            </a:extLst>
-          </p:cNvPr>
-          <p:cNvSpPr>
-            <a:spLocks noGrp="1"/>
-          </p:cNvSpPr>
-          <p:nvPr>
-            <p:ph idx="1"/>
-          </p:nvPr>
-        </p:nvSpPr>
-        <p:spPr/>
-        <p:txBody>
-          <a:bodyPr/>
-          <a:lstStyle/>
-          <a:p>
-            <a:pPr lvl="0"/>
-            <a:r>
-              <a:rPr lang="en-US"/>
-              <a:t>Click to edit Master text styles</a:t>
-            </a:r>
-          </a:p>
-          <a:p>
-            <a:pPr lvl="1"/>
-            <a:r>
-              <a:rPr lang="en-US"/>
-              <a:t>Second level</a:t>
-            </a:r>
-          </a:p>
-          <a:p>
-            <a:pPr lvl="2"/>
-            <a:r>
-              <a:rPr lang="en-US"/>
-              <a:t>Third level</a:t>
-            </a:r>
-          </a:p>
-          <a:p>
-            <a:pPr lvl="3"/>
-            <a:r>
-              <a:rPr lang="en-US"/>
-              <a:t>Fourth level</a:t>
-            </a:r>
-          </a:p>
-          <a:p>
-            <a:pPr lvl="4"/>
-            <a:r>
-              <a:rPr lang="en-US"/>
-              <a:t>Fifth level</a:t>
-            </a:r>
-          </a:p>
-        </p:txBody>
-      </p:sp>
-      <p:sp>
-        <p:nvSpPr>
-          <p:cNvPr id="4" name="Date Placeholder 3">
-            <a:extLst>
-              <a:ext uri="{FF2B5EF4-FFF2-40B4-BE49-F238E27FC236}">
-                <a16:creationId xmlns:a16="http://schemas.microsoft.com/office/drawing/2014/main" id="{190402F2-D2A2-9142-99AE-C78469888BE4}"/>
-              </a:ext>
-            </a:extLst>
-          </p:cNvPr>
-          <p:cNvSpPr>
-            <a:spLocks noGrp="1"/>
-          </p:cNvSpPr>
-          <p:nvPr>
-            <p:ph type="dt" sz="half" idx="10"/>
-          </p:nvPr>
-        </p:nvSpPr>
-        <p:spPr/>
-        <p:txBody>
-          <a:bodyPr/>
-          <a:lstStyle/>
-          <a:p>
-            <a:fld id="{F6767E1A-6E3E-A54F-AFA4-B374331AE6D6}" type="datetimeFigureOut">
-              <a:rPr lang="en-US" smtClean="0"/>
-              <a:t>8/19/21</a:t>
-            </a:fld>
-            <a:endParaRPr lang="en-US"/>
-          </a:p>
-        </p:txBody>
-      </p:sp>
-      <p:sp>
-        <p:nvSpPr>
-          <p:cNvPr id="5" name="Footer Placeholder 4">
-            <a:extLst>
-              <a:ext uri="{FF2B5EF4-FFF2-40B4-BE49-F238E27FC236}">
-                <a16:creationId xmlns:a16="http://schemas.microsoft.com/office/drawing/2014/main" id="{A686A8A8-7842-1D4A-8999-6FE200027155}"/>
-              </a:ext>
-            </a:extLst>
-          </p:cNvPr>
-          <p:cNvSpPr>
-            <a:spLocks noGrp="1"/>
-          </p:cNvSpPr>
-          <p:nvPr>
-            <p:ph type="ftr" sz="quarter" idx="11"/>
-          </p:nvPr>
-        </p:nvSpPr>
-        <p:spPr/>
-        <p:txBody>
-          <a:bodyPr/>
-          <a:lstStyle/>
-          <a:p>
-            <a:endParaRPr lang="en-US"/>
-          </a:p>
-        </p:txBody>
-      </p:sp>
-      <p:sp>
-        <p:nvSpPr>
-          <p:cNvPr id="6" name="Slide Number Placeholder 5">
-            <a:extLst>
-              <a:ext uri="{FF2B5EF4-FFF2-40B4-BE49-F238E27FC236}">
-                <a16:creationId xmlns:a16="http://schemas.microsoft.com/office/drawing/2014/main" id="{A3A19320-A5B3-544A-B6E6-25A6B967DB5A}"/>
-              </a:ext>
-            </a:extLst>
-          </p:cNvPr>
-          <p:cNvSpPr>
-            <a:spLocks noGrp="1"/>
-          </p:cNvSpPr>
-          <p:nvPr>
-            <p:ph type="sldNum" sz="quarter" idx="12"/>
-          </p:nvPr>
-        </p:nvSpPr>
-        <p:spPr/>
-        <p:txBody>
-          <a:bodyPr/>
-          <a:lstStyle/>
-          <a:p>
-            <a:fld id="{3247CAF6-553C-F34F-8E45-BDA2AD71C224}" type="slidenum">
-              <a:rPr lang="en-US" smtClean="0"/>
-              <a:t>‹#›</a:t>
-            </a:fld>
-            <a:endParaRPr lang="en-US"/>
-          </a:p>
-        </p:txBody>
-      </p:sp>
-    </p:spTree>
-    <p:extLst>
-      <p:ext uri="{BB962C8B-B14F-4D97-AF65-F5344CB8AC3E}">
-        <p14:creationId xmlns:p14="http://schemas.microsoft.com/office/powerpoint/2010/main" val="3676871920"/>
-      </p:ext>
-    </p:extLst>
-  </p:cSld>
-  <p:clrMapOvr>
-    <a:masterClrMapping/>
-  </p:clrMapOvr>
-</p:sldLayout>
-</file>
-
-<file path=ppt/slideLayouts/slideLayout20.xml><?xml version="1.0" encoding="utf-8"?>
+<file path=ppt/slideLayouts/slideLayout21.xml><?xml version="1.0" encoding="utf-8"?>
 <p:sldLayout xmlns:a="http://schemas.openxmlformats.org/drawingml/2006/main" xmlns:r="http://schemas.openxmlformats.org/officeDocument/2006/relationships" xmlns:p="http://schemas.openxmlformats.org/presentationml/2006/main" matchingName="Title only" type="titleOnly">
   <p:cSld name="Title only">
     <p:spTree>
@@ -7617,7 +8828,7 @@
 </p:sldLayout>
 </file>
 
-<file path=ppt/slideLayouts/slideLayout21.xml><?xml version="1.0" encoding="utf-8"?>
+<file path=ppt/slideLayouts/slideLayout22.xml><?xml version="1.0" encoding="utf-8"?>
 <p:sldLayout xmlns:a="http://schemas.openxmlformats.org/drawingml/2006/main" xmlns:r="http://schemas.openxmlformats.org/officeDocument/2006/relationships" xmlns:p="http://schemas.openxmlformats.org/presentationml/2006/main" matchingName="Image background">
   <p:cSld name="Image background">
     <p:spTree>
@@ -8108,7 +9319,7 @@
 </p:sldLayout>
 </file>
 
-<file path=ppt/slideLayouts/slideLayout22.xml><?xml version="1.0" encoding="utf-8"?>
+<file path=ppt/slideLayouts/slideLayout23.xml><?xml version="1.0" encoding="utf-8"?>
 <p:sldLayout xmlns:a="http://schemas.openxmlformats.org/drawingml/2006/main" xmlns:r="http://schemas.openxmlformats.org/officeDocument/2006/relationships" xmlns:p="http://schemas.openxmlformats.org/presentationml/2006/main" matchingName="Caption">
   <p:cSld name="Caption">
     <p:spTree>
@@ -8468,7 +9679,7 @@
 </p:sldLayout>
 </file>
 
-<file path=ppt/slideLayouts/slideLayout23.xml><?xml version="1.0" encoding="utf-8"?>
+<file path=ppt/slideLayouts/slideLayout24.xml><?xml version="1.0" encoding="utf-8"?>
 <p:sldLayout xmlns:a="http://schemas.openxmlformats.org/drawingml/2006/main" xmlns:r="http://schemas.openxmlformats.org/officeDocument/2006/relationships" xmlns:p="http://schemas.openxmlformats.org/presentationml/2006/main" matchingName="Blank" type="blank">
   <p:cSld name="Blank">
     <p:spTree>
@@ -8738,7 +9949,7 @@
 </p:sldLayout>
 </file>
 
-<file path=ppt/slideLayouts/slideLayout24.xml><?xml version="1.0" encoding="utf-8"?>
+<file path=ppt/slideLayouts/slideLayout25.xml><?xml version="1.0" encoding="utf-8"?>
 <p:sldLayout xmlns:a="http://schemas.openxmlformats.org/drawingml/2006/main" xmlns:r="http://schemas.openxmlformats.org/officeDocument/2006/relationships" xmlns:p="http://schemas.openxmlformats.org/presentationml/2006/main" matchingName="Blank inverted">
   <p:cSld name="Blank inverted">
     <p:bg>
@@ -9133,7 +10344,7 @@
           <a:p>
             <a:fld id="{F6767E1A-6E3E-A54F-AFA4-B374331AE6D6}" type="datetimeFigureOut">
               <a:rPr lang="en-US" smtClean="0"/>
-              <a:t>8/19/21</a:t>
+              <a:t>8/20/21</a:t>
             </a:fld>
             <a:endParaRPr lang="en-US"/>
           </a:p>
@@ -9398,7 +10609,7 @@
           <a:p>
             <a:fld id="{F6767E1A-6E3E-A54F-AFA4-B374331AE6D6}" type="datetimeFigureOut">
               <a:rPr lang="en-US" smtClean="0"/>
-              <a:t>8/19/21</a:t>
+              <a:t>8/20/21</a:t>
             </a:fld>
             <a:endParaRPr lang="en-US"/>
           </a:p>
@@ -9810,7 +11021,7 @@
           <a:p>
             <a:fld id="{F6767E1A-6E3E-A54F-AFA4-B374331AE6D6}" type="datetimeFigureOut">
               <a:rPr lang="en-US" smtClean="0"/>
-              <a:t>8/19/21</a:t>
+              <a:t>8/20/21</a:t>
             </a:fld>
             <a:endParaRPr lang="en-US"/>
           </a:p>
@@ -9951,7 +11162,7 @@
           <a:p>
             <a:fld id="{F6767E1A-6E3E-A54F-AFA4-B374331AE6D6}" type="datetimeFigureOut">
               <a:rPr lang="en-US" smtClean="0"/>
-              <a:t>8/19/21</a:t>
+              <a:t>8/20/21</a:t>
             </a:fld>
             <a:endParaRPr lang="en-US"/>
           </a:p>
@@ -10064,7 +11275,7 @@
           <a:p>
             <a:fld id="{F6767E1A-6E3E-A54F-AFA4-B374331AE6D6}" type="datetimeFigureOut">
               <a:rPr lang="en-US" smtClean="0"/>
-              <a:t>8/19/21</a:t>
+              <a:t>8/20/21</a:t>
             </a:fld>
             <a:endParaRPr lang="en-US"/>
           </a:p>
@@ -10375,7 +11586,7 @@
           <a:p>
             <a:fld id="{F6767E1A-6E3E-A54F-AFA4-B374331AE6D6}" type="datetimeFigureOut">
               <a:rPr lang="en-US" smtClean="0"/>
-              <a:t>8/19/21</a:t>
+              <a:t>8/20/21</a:t>
             </a:fld>
             <a:endParaRPr lang="en-US"/>
           </a:p>
@@ -10663,7 +11874,7 @@
           <a:p>
             <a:fld id="{F6767E1A-6E3E-A54F-AFA4-B374331AE6D6}" type="datetimeFigureOut">
               <a:rPr lang="en-US" smtClean="0"/>
-              <a:t>8/19/21</a:t>
+              <a:t>8/20/21</a:t>
             </a:fld>
             <a:endParaRPr lang="en-US"/>
           </a:p>
@@ -10904,7 +12115,7 @@
           <a:p>
             <a:fld id="{F6767E1A-6E3E-A54F-AFA4-B374331AE6D6}" type="datetimeFigureOut">
               <a:rPr lang="en-US" smtClean="0"/>
-              <a:t>8/19/21</a:t>
+              <a:t>8/20/21</a:t>
             </a:fld>
             <a:endParaRPr lang="en-US"/>
           </a:p>
@@ -11022,6 +12233,7 @@
     <p:sldLayoutId id="2147483659" r:id="rId11"/>
     <p:sldLayoutId id="2147483660" r:id="rId12"/>
     <p:sldLayoutId id="2147483661" r:id="rId13"/>
+    <p:sldLayoutId id="2147483674" r:id="rId14"/>
   </p:sldLayoutIdLst>
   <p:txStyles>
     <p:titleStyle>
@@ -12774,6 +13986,391 @@
   <p:cSld>
     <p:spTree>
       <p:nvGrpSpPr>
+        <p:cNvPr id="1" name="Shape 153"/>
+        <p:cNvGrpSpPr/>
+        <p:nvPr/>
+      </p:nvGrpSpPr>
+      <p:grpSpPr>
+        <a:xfrm>
+          <a:off x="0" y="0"/>
+          <a:ext cx="0" cy="0"/>
+          <a:chOff x="0" y="0"/>
+          <a:chExt cx="0" cy="0"/>
+        </a:xfrm>
+      </p:grpSpPr>
+      <p:sp>
+        <p:nvSpPr>
+          <p:cNvPr id="154" name="Google Shape;154;p20"/>
+          <p:cNvSpPr txBox="1">
+            <a:spLocks noGrp="1"/>
+          </p:cNvSpPr>
+          <p:nvPr>
+            <p:ph type="body" idx="1"/>
+          </p:nvPr>
+        </p:nvSpPr>
+        <p:spPr>
+          <a:xfrm>
+            <a:off x="487017" y="1669220"/>
+            <a:ext cx="10545418" cy="4717200"/>
+          </a:xfrm>
+          <a:prstGeom prst="rect">
+            <a:avLst/>
+          </a:prstGeom>
+        </p:spPr>
+        <p:txBody>
+          <a:bodyPr spcFirstLastPara="1" wrap="square" lIns="121900" tIns="121900" rIns="121900" bIns="121900" anchor="t" anchorCtr="0">
+            <a:noAutofit/>
+          </a:bodyPr>
+          <a:lstStyle/>
+          <a:p>
+            <a:pPr marL="0" indent="0">
+              <a:buNone/>
+            </a:pPr>
+            <a:r>
+              <a:rPr lang="en-US" b="1" dirty="0"/>
+              <a:t>Selenium Grid</a:t>
+            </a:r>
+            <a:endParaRPr b="1" dirty="0"/>
+          </a:p>
+          <a:p>
+            <a:pPr marL="342900" indent="-342900"/>
+            <a:r>
+              <a:rPr lang="en-US" sz="2000" dirty="0"/>
+              <a:t>It enables running test scripts across multiple machines with different configurations. It allows distributed and simultaneous execution of test cases. It can be configured to use many physical or virtual machines with different combinations of operating systems and versions of web browsers.</a:t>
+            </a:r>
+          </a:p>
+          <a:p>
+            <a:pPr marL="342900" indent="-342900"/>
+            <a:endParaRPr lang="en-US" sz="1800" dirty="0"/>
+          </a:p>
+          <a:p>
+            <a:pPr marL="0" indent="0">
+              <a:buNone/>
+            </a:pPr>
+            <a:r>
+              <a:rPr lang="en-US" b="1" dirty="0"/>
+              <a:t>Selenium Standalone Server</a:t>
+            </a:r>
+          </a:p>
+          <a:p>
+            <a:pPr marL="342900" indent="-342900"/>
+            <a:r>
+              <a:rPr lang="en-US" sz="2000" dirty="0"/>
+              <a:t>This tool is written in Java and is delivered as a jar file that implements hubs and nodes functions for Selenium Grid. This tool needs to be started separately (outside of test scripts) and configured properly to play its role in test environment.</a:t>
+            </a:r>
+            <a:endParaRPr lang="en-US" sz="6600" dirty="0"/>
+          </a:p>
+          <a:p>
+            <a:pPr marL="342900" indent="-342900"/>
+            <a:endParaRPr lang="en-US" sz="2000" dirty="0"/>
+          </a:p>
+        </p:txBody>
+      </p:sp>
+      <p:sp>
+        <p:nvSpPr>
+          <p:cNvPr id="155" name="Google Shape;155;p20"/>
+          <p:cNvSpPr txBox="1">
+            <a:spLocks noGrp="1"/>
+          </p:cNvSpPr>
+          <p:nvPr>
+            <p:ph type="title"/>
+          </p:nvPr>
+        </p:nvSpPr>
+        <p:spPr>
+          <a:xfrm>
+            <a:off x="1468515" y="363800"/>
+            <a:ext cx="10099200" cy="998800"/>
+          </a:xfrm>
+          <a:prstGeom prst="rect">
+            <a:avLst/>
+          </a:prstGeom>
+        </p:spPr>
+        <p:txBody>
+          <a:bodyPr spcFirstLastPara="1" wrap="square" lIns="121900" tIns="121900" rIns="121900" bIns="121900" anchor="ctr" anchorCtr="0">
+            <a:noAutofit/>
+          </a:bodyPr>
+          <a:lstStyle/>
+          <a:p>
+            <a:r>
+              <a:rPr lang="en" dirty="0">
+                <a:solidFill>
+                  <a:schemeClr val="bg1"/>
+                </a:solidFill>
+              </a:rPr>
+              <a:t>Selenium Architecture Components</a:t>
+            </a:r>
+            <a:endParaRPr dirty="0">
+              <a:solidFill>
+                <a:schemeClr val="bg1"/>
+              </a:solidFill>
+            </a:endParaRPr>
+          </a:p>
+        </p:txBody>
+      </p:sp>
+      <p:sp>
+        <p:nvSpPr>
+          <p:cNvPr id="157" name="Google Shape;157;p20"/>
+          <p:cNvSpPr txBox="1">
+            <a:spLocks noGrp="1"/>
+          </p:cNvSpPr>
+          <p:nvPr>
+            <p:ph type="sldNum" idx="12"/>
+          </p:nvPr>
+        </p:nvSpPr>
+        <p:spPr>
+          <a:xfrm>
+            <a:off x="0" y="0"/>
+            <a:ext cx="793200" cy="975600"/>
+          </a:xfrm>
+          <a:prstGeom prst="rect">
+            <a:avLst/>
+          </a:prstGeom>
+        </p:spPr>
+        <p:txBody>
+          <a:bodyPr spcFirstLastPara="1" wrap="square" lIns="121900" tIns="121900" rIns="121900" bIns="121900" anchor="ctr" anchorCtr="0">
+            <a:noAutofit/>
+          </a:bodyPr>
+          <a:lstStyle/>
+          <a:p>
+            <a:fld id="{00000000-1234-1234-1234-123412341234}" type="slidenum">
+              <a:rPr lang="en"/>
+              <a:pPr/>
+              <a:t>10</a:t>
+            </a:fld>
+            <a:endParaRPr/>
+          </a:p>
+        </p:txBody>
+      </p:sp>
+    </p:spTree>
+    <p:extLst>
+      <p:ext uri="{BB962C8B-B14F-4D97-AF65-F5344CB8AC3E}">
+        <p14:creationId xmlns:p14="http://schemas.microsoft.com/office/powerpoint/2010/main" val="2904361178"/>
+      </p:ext>
+    </p:extLst>
+  </p:cSld>
+  <p:clrMapOvr>
+    <a:masterClrMapping/>
+  </p:clrMapOvr>
+</p:sld>
+</file>
+
+<file path=ppt/slides/slide11.xml><?xml version="1.0" encoding="utf-8"?>
+<p:sld xmlns:a="http://schemas.openxmlformats.org/drawingml/2006/main" xmlns:r="http://schemas.openxmlformats.org/officeDocument/2006/relationships" xmlns:p="http://schemas.openxmlformats.org/presentationml/2006/main">
+  <p:cSld>
+    <p:spTree>
+      <p:nvGrpSpPr>
+        <p:cNvPr id="1" name="Shape 127"/>
+        <p:cNvGrpSpPr/>
+        <p:nvPr/>
+      </p:nvGrpSpPr>
+      <p:grpSpPr>
+        <a:xfrm>
+          <a:off x="0" y="0"/>
+          <a:ext cx="0" cy="0"/>
+          <a:chOff x="0" y="0"/>
+          <a:chExt cx="0" cy="0"/>
+        </a:xfrm>
+      </p:grpSpPr>
+      <p:sp>
+        <p:nvSpPr>
+          <p:cNvPr id="128" name="Google Shape;128;p16"/>
+          <p:cNvSpPr txBox="1">
+            <a:spLocks noGrp="1"/>
+          </p:cNvSpPr>
+          <p:nvPr>
+            <p:ph type="ctrTitle"/>
+          </p:nvPr>
+        </p:nvSpPr>
+        <p:spPr>
+          <a:xfrm>
+            <a:off x="1590261" y="1705838"/>
+            <a:ext cx="9471991" cy="1546400"/>
+          </a:xfrm>
+          <a:prstGeom prst="rect">
+            <a:avLst/>
+          </a:prstGeom>
+        </p:spPr>
+        <p:txBody>
+          <a:bodyPr spcFirstLastPara="1" vert="horz" wrap="square" lIns="121900" tIns="121900" rIns="121900" bIns="121900" rtlCol="0" anchor="b" anchorCtr="0">
+            <a:noAutofit/>
+          </a:bodyPr>
+          <a:lstStyle/>
+          <a:p>
+            <a:r>
+              <a:rPr lang="en" dirty="0">
+                <a:solidFill>
+                  <a:schemeClr val="bg1"/>
+                </a:solidFill>
+              </a:rPr>
+              <a:t>4. Web Automation</a:t>
+            </a:r>
+            <a:endParaRPr dirty="0">
+              <a:solidFill>
+                <a:schemeClr val="bg1"/>
+              </a:solidFill>
+            </a:endParaRPr>
+          </a:p>
+        </p:txBody>
+      </p:sp>
+      <p:sp>
+        <p:nvSpPr>
+          <p:cNvPr id="130" name="Google Shape;130;p16"/>
+          <p:cNvSpPr txBox="1">
+            <a:spLocks noGrp="1"/>
+          </p:cNvSpPr>
+          <p:nvPr>
+            <p:ph type="sldNum" idx="4294967295"/>
+          </p:nvPr>
+        </p:nvSpPr>
+        <p:spPr>
+          <a:xfrm>
+            <a:off x="0" y="0"/>
+            <a:ext cx="793200" cy="975600"/>
+          </a:xfrm>
+          <a:prstGeom prst="rect">
+            <a:avLst/>
+          </a:prstGeom>
+        </p:spPr>
+        <p:txBody>
+          <a:bodyPr spcFirstLastPara="1" vert="horz" wrap="square" lIns="121900" tIns="121900" rIns="121900" bIns="121900" rtlCol="0" anchor="ctr" anchorCtr="0">
+            <a:noAutofit/>
+          </a:bodyPr>
+          <a:lstStyle/>
+          <a:p>
+            <a:pPr algn="ctr"/>
+            <a:fld id="{00000000-1234-1234-1234-123412341234}" type="slidenum">
+              <a:rPr lang="en"/>
+              <a:pPr algn="ctr"/>
+              <a:t>11</a:t>
+            </a:fld>
+            <a:endParaRPr/>
+          </a:p>
+        </p:txBody>
+      </p:sp>
+    </p:spTree>
+    <p:extLst>
+      <p:ext uri="{BB962C8B-B14F-4D97-AF65-F5344CB8AC3E}">
+        <p14:creationId xmlns:p14="http://schemas.microsoft.com/office/powerpoint/2010/main" val="1789897810"/>
+      </p:ext>
+    </p:extLst>
+  </p:cSld>
+  <p:clrMapOvr>
+    <a:masterClrMapping/>
+  </p:clrMapOvr>
+</p:sld>
+</file>
+
+<file path=ppt/slides/slide12.xml><?xml version="1.0" encoding="utf-8"?>
+<p:sld xmlns:a="http://schemas.openxmlformats.org/drawingml/2006/main" xmlns:r="http://schemas.openxmlformats.org/officeDocument/2006/relationships" xmlns:p="http://schemas.openxmlformats.org/presentationml/2006/main">
+  <p:cSld>
+    <p:spTree>
+      <p:nvGrpSpPr>
+        <p:cNvPr id="1" name="Shape 127"/>
+        <p:cNvGrpSpPr/>
+        <p:nvPr/>
+      </p:nvGrpSpPr>
+      <p:grpSpPr>
+        <a:xfrm>
+          <a:off x="0" y="0"/>
+          <a:ext cx="0" cy="0"/>
+          <a:chOff x="0" y="0"/>
+          <a:chExt cx="0" cy="0"/>
+        </a:xfrm>
+      </p:grpSpPr>
+      <p:sp>
+        <p:nvSpPr>
+          <p:cNvPr id="128" name="Google Shape;128;p16"/>
+          <p:cNvSpPr txBox="1">
+            <a:spLocks noGrp="1"/>
+          </p:cNvSpPr>
+          <p:nvPr>
+            <p:ph type="ctrTitle"/>
+          </p:nvPr>
+        </p:nvSpPr>
+        <p:spPr>
+          <a:xfrm>
+            <a:off x="1590261" y="1705837"/>
+            <a:ext cx="9471991" cy="1981579"/>
+          </a:xfrm>
+          <a:prstGeom prst="rect">
+            <a:avLst/>
+          </a:prstGeom>
+        </p:spPr>
+        <p:txBody>
+          <a:bodyPr spcFirstLastPara="1" vert="horz" wrap="square" lIns="121900" tIns="121900" rIns="121900" bIns="121900" rtlCol="0" anchor="b" anchorCtr="0">
+            <a:noAutofit/>
+          </a:bodyPr>
+          <a:lstStyle/>
+          <a:p>
+            <a:r>
+              <a:rPr lang="en" dirty="0">
+                <a:solidFill>
+                  <a:schemeClr val="bg1"/>
+                </a:solidFill>
+              </a:rPr>
+              <a:t>5. Verifications and Assertions</a:t>
+            </a:r>
+            <a:endParaRPr dirty="0">
+              <a:solidFill>
+                <a:schemeClr val="bg1"/>
+              </a:solidFill>
+            </a:endParaRPr>
+          </a:p>
+        </p:txBody>
+      </p:sp>
+      <p:sp>
+        <p:nvSpPr>
+          <p:cNvPr id="130" name="Google Shape;130;p16"/>
+          <p:cNvSpPr txBox="1">
+            <a:spLocks noGrp="1"/>
+          </p:cNvSpPr>
+          <p:nvPr>
+            <p:ph type="sldNum" idx="4294967295"/>
+          </p:nvPr>
+        </p:nvSpPr>
+        <p:spPr>
+          <a:xfrm>
+            <a:off x="0" y="0"/>
+            <a:ext cx="793200" cy="975600"/>
+          </a:xfrm>
+          <a:prstGeom prst="rect">
+            <a:avLst/>
+          </a:prstGeom>
+        </p:spPr>
+        <p:txBody>
+          <a:bodyPr spcFirstLastPara="1" vert="horz" wrap="square" lIns="121900" tIns="121900" rIns="121900" bIns="121900" rtlCol="0" anchor="ctr" anchorCtr="0">
+            <a:noAutofit/>
+          </a:bodyPr>
+          <a:lstStyle/>
+          <a:p>
+            <a:pPr algn="ctr"/>
+            <a:fld id="{00000000-1234-1234-1234-123412341234}" type="slidenum">
+              <a:rPr lang="en"/>
+              <a:pPr algn="ctr"/>
+              <a:t>12</a:t>
+            </a:fld>
+            <a:endParaRPr/>
+          </a:p>
+        </p:txBody>
+      </p:sp>
+    </p:spTree>
+    <p:extLst>
+      <p:ext uri="{BB962C8B-B14F-4D97-AF65-F5344CB8AC3E}">
+        <p14:creationId xmlns:p14="http://schemas.microsoft.com/office/powerpoint/2010/main" val="2528847163"/>
+      </p:ext>
+    </p:extLst>
+  </p:cSld>
+  <p:clrMapOvr>
+    <a:masterClrMapping/>
+  </p:clrMapOvr>
+</p:sld>
+</file>
+
+<file path=ppt/slides/slide13.xml><?xml version="1.0" encoding="utf-8"?>
+<p:sld xmlns:a="http://schemas.openxmlformats.org/drawingml/2006/main" xmlns:r="http://schemas.openxmlformats.org/officeDocument/2006/relationships" xmlns:p="http://schemas.openxmlformats.org/presentationml/2006/main">
+  <p:cSld>
+    <p:spTree>
+      <p:nvGrpSpPr>
         <p:cNvPr id="1" name="Shape 127"/>
         <p:cNvGrpSpPr/>
         <p:nvPr/>
@@ -12856,7 +14453,7 @@
             <a:fld id="{00000000-1234-1234-1234-123412341234}" type="slidenum">
               <a:rPr lang="en"/>
               <a:pPr algn="ctr"/>
-              <a:t>10</a:t>
+              <a:t>13</a:t>
             </a:fld>
             <a:endParaRPr/>
           </a:p>
@@ -13994,7 +15591,7 @@
   <p:cSld>
     <p:spTree>
       <p:nvGrpSpPr>
-        <p:cNvPr id="1" name="Shape 127"/>
+        <p:cNvPr id="1" name="Shape 153"/>
         <p:cNvGrpSpPr/>
         <p:nvPr/>
       </p:nvGrpSpPr>
@@ -14008,25 +15605,99 @@
       </p:grpSpPr>
       <p:sp>
         <p:nvSpPr>
-          <p:cNvPr id="128" name="Google Shape;128;p16"/>
+          <p:cNvPr id="154" name="Google Shape;154;p20"/>
           <p:cNvSpPr txBox="1">
             <a:spLocks noGrp="1"/>
           </p:cNvSpPr>
           <p:nvPr>
-            <p:ph type="ctrTitle"/>
+            <p:ph type="body" idx="1"/>
           </p:nvPr>
         </p:nvSpPr>
         <p:spPr>
           <a:xfrm>
-            <a:off x="1590261" y="1705838"/>
-            <a:ext cx="9471991" cy="1546400"/>
+            <a:off x="0" y="1470437"/>
+            <a:ext cx="10545418" cy="4717200"/>
           </a:xfrm>
           <a:prstGeom prst="rect">
             <a:avLst/>
           </a:prstGeom>
         </p:spPr>
         <p:txBody>
-          <a:bodyPr spcFirstLastPara="1" vert="horz" wrap="square" lIns="121900" tIns="121900" rIns="121900" bIns="121900" rtlCol="0" anchor="b" anchorCtr="0">
+          <a:bodyPr spcFirstLastPara="1" wrap="square" lIns="121900" tIns="121900" rIns="121900" bIns="121900" anchor="t" anchorCtr="0">
+            <a:noAutofit/>
+          </a:bodyPr>
+          <a:lstStyle/>
+          <a:p>
+            <a:pPr marL="0" indent="0">
+              <a:buNone/>
+            </a:pPr>
+            <a:r>
+              <a:rPr lang="en-US" b="1" dirty="0"/>
+              <a:t>Selenium Facts</a:t>
+            </a:r>
+          </a:p>
+          <a:p>
+            <a:pPr marL="342900" indent="-342900"/>
+            <a:r>
+              <a:rPr lang="en-US" sz="2000" dirty="0"/>
+              <a:t>Selenium is an Open-Source Automation Tool</a:t>
+            </a:r>
+          </a:p>
+          <a:p>
+            <a:pPr marL="342900" indent="-342900"/>
+            <a:r>
+              <a:rPr lang="en-US" sz="2000" dirty="0"/>
+              <a:t>It’s exclusively for Web Applications</a:t>
+            </a:r>
+          </a:p>
+          <a:p>
+            <a:pPr marL="342900" indent="-342900"/>
+            <a:r>
+              <a:rPr lang="en-US" sz="2000" dirty="0"/>
+              <a:t>It works with different browsers: Firefox, Chrome, Safari, Internet Explorer, Edge</a:t>
+            </a:r>
+          </a:p>
+          <a:p>
+            <a:pPr marL="342900" indent="-342900"/>
+            <a:r>
+              <a:rPr lang="en-US" sz="2000" dirty="0"/>
+              <a:t>Can run in different OS: Windows, Linux, Mac OS</a:t>
+            </a:r>
+          </a:p>
+          <a:p>
+            <a:pPr marL="342900" indent="-342900"/>
+            <a:r>
+              <a:rPr lang="en-US" sz="2000" dirty="0"/>
+              <a:t>Can use multiple programming languages: Java, C#, Python, JavaScript, Ruby</a:t>
+            </a:r>
+          </a:p>
+          <a:p>
+            <a:pPr marL="342900" indent="-342900"/>
+            <a:endParaRPr lang="en-US" sz="2000" dirty="0"/>
+          </a:p>
+        </p:txBody>
+      </p:sp>
+      <p:sp>
+        <p:nvSpPr>
+          <p:cNvPr id="155" name="Google Shape;155;p20"/>
+          <p:cNvSpPr txBox="1">
+            <a:spLocks noGrp="1"/>
+          </p:cNvSpPr>
+          <p:nvPr>
+            <p:ph type="title"/>
+          </p:nvPr>
+        </p:nvSpPr>
+        <p:spPr>
+          <a:xfrm>
+            <a:off x="1468515" y="363800"/>
+            <a:ext cx="10099200" cy="998800"/>
+          </a:xfrm>
+          <a:prstGeom prst="rect">
+            <a:avLst/>
+          </a:prstGeom>
+        </p:spPr>
+        <p:txBody>
+          <a:bodyPr spcFirstLastPara="1" wrap="square" lIns="121900" tIns="121900" rIns="121900" bIns="121900" anchor="ctr" anchorCtr="0">
             <a:noAutofit/>
           </a:bodyPr>
           <a:lstStyle/>
@@ -14037,7 +15708,7 @@
                   <a:schemeClr val="bg1"/>
                 </a:solidFill>
               </a:rPr>
-              <a:t>4. Web Automation</a:t>
+              <a:t>Selenium Architecture Components</a:t>
             </a:r>
             <a:endParaRPr dirty="0">
               <a:solidFill>
@@ -14049,12 +15720,12 @@
       </p:sp>
       <p:sp>
         <p:nvSpPr>
-          <p:cNvPr id="130" name="Google Shape;130;p16"/>
+          <p:cNvPr id="157" name="Google Shape;157;p20"/>
           <p:cNvSpPr txBox="1">
             <a:spLocks noGrp="1"/>
           </p:cNvSpPr>
           <p:nvPr>
-            <p:ph type="sldNum" idx="4294967295"/>
+            <p:ph type="sldNum" idx="12"/>
           </p:nvPr>
         </p:nvSpPr>
         <p:spPr>
@@ -14067,15 +15738,14 @@
           </a:prstGeom>
         </p:spPr>
         <p:txBody>
-          <a:bodyPr spcFirstLastPara="1" vert="horz" wrap="square" lIns="121900" tIns="121900" rIns="121900" bIns="121900" rtlCol="0" anchor="ctr" anchorCtr="0">
+          <a:bodyPr spcFirstLastPara="1" wrap="square" lIns="121900" tIns="121900" rIns="121900" bIns="121900" anchor="ctr" anchorCtr="0">
             <a:noAutofit/>
           </a:bodyPr>
           <a:lstStyle/>
           <a:p>
-            <a:pPr algn="ctr"/>
             <a:fld id="{00000000-1234-1234-1234-123412341234}" type="slidenum">
               <a:rPr lang="en"/>
-              <a:pPr algn="ctr"/>
+              <a:pPr/>
               <a:t>8</a:t>
             </a:fld>
             <a:endParaRPr/>
@@ -14085,7 +15755,7 @@
     </p:spTree>
     <p:extLst>
       <p:ext uri="{BB962C8B-B14F-4D97-AF65-F5344CB8AC3E}">
-        <p14:creationId xmlns:p14="http://schemas.microsoft.com/office/powerpoint/2010/main" val="1789897810"/>
+        <p14:creationId xmlns:p14="http://schemas.microsoft.com/office/powerpoint/2010/main" val="544688355"/>
       </p:ext>
     </p:extLst>
   </p:cSld>
@@ -14100,7 +15770,7 @@
   <p:cSld>
     <p:spTree>
       <p:nvGrpSpPr>
-        <p:cNvPr id="1" name="Shape 127"/>
+        <p:cNvPr id="1" name="Shape 153"/>
         <p:cNvGrpSpPr/>
         <p:nvPr/>
       </p:nvGrpSpPr>
@@ -14114,25 +15784,101 @@
       </p:grpSpPr>
       <p:sp>
         <p:nvSpPr>
-          <p:cNvPr id="128" name="Google Shape;128;p16"/>
+          <p:cNvPr id="154" name="Google Shape;154;p20"/>
           <p:cNvSpPr txBox="1">
             <a:spLocks noGrp="1"/>
           </p:cNvSpPr>
           <p:nvPr>
-            <p:ph type="ctrTitle"/>
+            <p:ph type="body" idx="1"/>
           </p:nvPr>
         </p:nvSpPr>
         <p:spPr>
           <a:xfrm>
-            <a:off x="1590261" y="1705837"/>
-            <a:ext cx="9471991" cy="1981579"/>
+            <a:off x="487017" y="1669220"/>
+            <a:ext cx="10545418" cy="4717200"/>
           </a:xfrm>
           <a:prstGeom prst="rect">
             <a:avLst/>
           </a:prstGeom>
         </p:spPr>
         <p:txBody>
-          <a:bodyPr spcFirstLastPara="1" vert="horz" wrap="square" lIns="121900" tIns="121900" rIns="121900" bIns="121900" rtlCol="0" anchor="b" anchorCtr="0">
+          <a:bodyPr spcFirstLastPara="1" wrap="square" lIns="121900" tIns="121900" rIns="121900" bIns="121900" anchor="t" anchorCtr="0">
+            <a:noAutofit/>
+          </a:bodyPr>
+          <a:lstStyle/>
+          <a:p>
+            <a:pPr marL="0" indent="0">
+              <a:buNone/>
+            </a:pPr>
+            <a:r>
+              <a:rPr lang="en-US" b="1" dirty="0"/>
+              <a:t>Selenium IDE</a:t>
+            </a:r>
+            <a:endParaRPr b="1" dirty="0"/>
+          </a:p>
+          <a:p>
+            <a:pPr marL="342900" indent="-342900"/>
+            <a:r>
+              <a:rPr lang="en-US" sz="2000" dirty="0"/>
+              <a:t>It is an add-on to Chrome and Firefox web browsers, its main function is recording and playing back user actions on web pages; the recorded scripts can be saved to disk as HTML tables or exported to several different programming languages.</a:t>
+            </a:r>
+          </a:p>
+          <a:p>
+            <a:pPr marL="342900" indent="-342900"/>
+            <a:endParaRPr lang="en-US" sz="1800" dirty="0"/>
+          </a:p>
+          <a:p>
+            <a:pPr marL="0" indent="0">
+              <a:buNone/>
+            </a:pPr>
+            <a:r>
+              <a:rPr lang="en-US" b="1" dirty="0"/>
+              <a:t>Selenium WebDriver *</a:t>
+            </a:r>
+          </a:p>
+          <a:p>
+            <a:pPr marL="342900" indent="-342900"/>
+            <a:r>
+              <a:rPr lang="en-US" sz="2000" dirty="0"/>
+              <a:t>It is mainly a framework allowing test scripts to control web browsers, enables test </a:t>
+            </a:r>
+            <a:r>
+              <a:rPr lang="en-US" sz="2000" dirty="0" err="1"/>
+              <a:t>automators</a:t>
+            </a:r>
+            <a:r>
+              <a:rPr lang="en-US" sz="2000" dirty="0"/>
+              <a:t> to combine WebDriver’s ability to control web browsers with the power of general programming languages.</a:t>
+            </a:r>
+            <a:endParaRPr lang="en-US" sz="6600" dirty="0"/>
+          </a:p>
+          <a:p>
+            <a:pPr marL="342900" indent="-342900"/>
+            <a:endParaRPr lang="en-US" sz="2000" dirty="0"/>
+          </a:p>
+        </p:txBody>
+      </p:sp>
+      <p:sp>
+        <p:nvSpPr>
+          <p:cNvPr id="155" name="Google Shape;155;p20"/>
+          <p:cNvSpPr txBox="1">
+            <a:spLocks noGrp="1"/>
+          </p:cNvSpPr>
+          <p:nvPr>
+            <p:ph type="title"/>
+          </p:nvPr>
+        </p:nvSpPr>
+        <p:spPr>
+          <a:xfrm>
+            <a:off x="1468515" y="363800"/>
+            <a:ext cx="10099200" cy="998800"/>
+          </a:xfrm>
+          <a:prstGeom prst="rect">
+            <a:avLst/>
+          </a:prstGeom>
+        </p:spPr>
+        <p:txBody>
+          <a:bodyPr spcFirstLastPara="1" wrap="square" lIns="121900" tIns="121900" rIns="121900" bIns="121900" anchor="ctr" anchorCtr="0">
             <a:noAutofit/>
           </a:bodyPr>
           <a:lstStyle/>
@@ -14143,7 +15889,7 @@
                   <a:schemeClr val="bg1"/>
                 </a:solidFill>
               </a:rPr>
-              <a:t>5. Verifications and Assertions</a:t>
+              <a:t>Selenium Architecture Components</a:t>
             </a:r>
             <a:endParaRPr dirty="0">
               <a:solidFill>
@@ -14155,12 +15901,12 @@
       </p:sp>
       <p:sp>
         <p:nvSpPr>
-          <p:cNvPr id="130" name="Google Shape;130;p16"/>
+          <p:cNvPr id="157" name="Google Shape;157;p20"/>
           <p:cNvSpPr txBox="1">
             <a:spLocks noGrp="1"/>
           </p:cNvSpPr>
           <p:nvPr>
-            <p:ph type="sldNum" idx="4294967295"/>
+            <p:ph type="sldNum" idx="12"/>
           </p:nvPr>
         </p:nvSpPr>
         <p:spPr>
@@ -14173,15 +15919,14 @@
           </a:prstGeom>
         </p:spPr>
         <p:txBody>
-          <a:bodyPr spcFirstLastPara="1" vert="horz" wrap="square" lIns="121900" tIns="121900" rIns="121900" bIns="121900" rtlCol="0" anchor="ctr" anchorCtr="0">
+          <a:bodyPr spcFirstLastPara="1" wrap="square" lIns="121900" tIns="121900" rIns="121900" bIns="121900" anchor="ctr" anchorCtr="0">
             <a:noAutofit/>
           </a:bodyPr>
           <a:lstStyle/>
           <a:p>
-            <a:pPr algn="ctr"/>
             <a:fld id="{00000000-1234-1234-1234-123412341234}" type="slidenum">
               <a:rPr lang="en"/>
-              <a:pPr algn="ctr"/>
+              <a:pPr/>
               <a:t>9</a:t>
             </a:fld>
             <a:endParaRPr/>
@@ -14191,7 +15936,7 @@
     </p:spTree>
     <p:extLst>
       <p:ext uri="{BB962C8B-B14F-4D97-AF65-F5344CB8AC3E}">
-        <p14:creationId xmlns:p14="http://schemas.microsoft.com/office/powerpoint/2010/main" val="2528847163"/>
+        <p14:creationId xmlns:p14="http://schemas.microsoft.com/office/powerpoint/2010/main" val="1938036904"/>
       </p:ext>
     </p:extLst>
   </p:cSld>
